--- a/meterials/slides/第04章 用户和组管理.pptx
+++ b/meterials/slides/第04章 用户和组管理.pptx
@@ -29,20 +29,20 @@
     <p:sldId id="476" r:id="rId17"/>
     <p:sldId id="477" r:id="rId18"/>
     <p:sldId id="582" r:id="rId19"/>
-    <p:sldId id="479" r:id="rId20"/>
-    <p:sldId id="480" r:id="rId21"/>
-    <p:sldId id="481" r:id="rId22"/>
-    <p:sldId id="482" r:id="rId23"/>
-    <p:sldId id="483" r:id="rId24"/>
-    <p:sldId id="484" r:id="rId25"/>
-    <p:sldId id="485" r:id="rId26"/>
-    <p:sldId id="486" r:id="rId27"/>
-    <p:sldId id="487" r:id="rId28"/>
-    <p:sldId id="488" r:id="rId29"/>
-    <p:sldId id="489" r:id="rId30"/>
-    <p:sldId id="490" r:id="rId31"/>
-    <p:sldId id="503" r:id="rId32"/>
-    <p:sldId id="504" r:id="rId33"/>
+    <p:sldId id="504" r:id="rId20"/>
+    <p:sldId id="479" r:id="rId21"/>
+    <p:sldId id="480" r:id="rId22"/>
+    <p:sldId id="481" r:id="rId23"/>
+    <p:sldId id="482" r:id="rId24"/>
+    <p:sldId id="483" r:id="rId25"/>
+    <p:sldId id="484" r:id="rId26"/>
+    <p:sldId id="485" r:id="rId27"/>
+    <p:sldId id="486" r:id="rId28"/>
+    <p:sldId id="487" r:id="rId29"/>
+    <p:sldId id="488" r:id="rId30"/>
+    <p:sldId id="489" r:id="rId31"/>
+    <p:sldId id="490" r:id="rId32"/>
+    <p:sldId id="503" r:id="rId33"/>
     <p:sldId id="579" r:id="rId34"/>
     <p:sldId id="506" r:id="rId35"/>
     <p:sldId id="507" r:id="rId36"/>
@@ -15864,7 +15864,7 @@
               <a:pPr>
                 <a:defRPr/>
               </a:pPr>
-              <a:t>2017/9/6</a:t>
+              <a:t>2017/9/7</a:t>
             </a:fld>
             <a:endParaRPr lang="zh-CN" altLang="en-US" dirty="0"/>
           </a:p>
@@ -15988,7 +15988,7 @@
               <a:pPr>
                 <a:defRPr/>
               </a:pPr>
-              <a:t>2017/9/6</a:t>
+              <a:t>2017/9/7</a:t>
             </a:fld>
             <a:endParaRPr lang="zh-CN" altLang="en-US"/>
           </a:p>
@@ -17372,7 +17372,7 @@
             <a:fld id="{F7FE333A-1F7C-4A4F-9935-1A78D7544D1B}" type="slidenum">
               <a:rPr lang="zh-CN" altLang="en-US" smtClean="0"/>
               <a:pPr/>
-              <a:t>22</a:t>
+              <a:t>23</a:t>
             </a:fld>
             <a:endParaRPr lang="zh-CN" altLang="en-US"/>
           </a:p>
@@ -17473,7 +17473,7 @@
             <a:fld id="{F7FE333A-1F7C-4A4F-9935-1A78D7544D1B}" type="slidenum">
               <a:rPr lang="zh-CN" altLang="en-US" smtClean="0"/>
               <a:pPr/>
-              <a:t>27</a:t>
+              <a:t>28</a:t>
             </a:fld>
             <a:endParaRPr lang="zh-CN" altLang="en-US"/>
           </a:p>
@@ -18364,7 +18364,7 @@
             </a:pPr>
             <a:fld id="{08C7FD74-D501-44C6-BE09-7092A7C9239E}" type="datetime2">
               <a:rPr lang="zh-CN" altLang="en-US" smtClean="0"/>
-              <a:t>2017年9月6日</a:t>
+              <a:t>2017年9月7日</a:t>
             </a:fld>
             <a:endParaRPr lang="zh-CN" altLang="en-US"/>
           </a:p>
@@ -23491,107 +23491,588 @@
           <a:p>
             <a:r>
               <a:rPr lang="zh-CN" altLang="en-US"/>
-              <a:t>用户和组管理工具</a:t>
+              <a:t>账户查看命令</a:t>
             </a:r>
             <a:endParaRPr lang="zh-CN" altLang="en-US" dirty="0"/>
           </a:p>
         </p:txBody>
       </p:sp>
-      <p:sp>
-        <p:nvSpPr>
-          <p:cNvPr id="3" name="内容占位符 2"/>
-          <p:cNvSpPr>
-            <a:spLocks noGrp="1"/>
-          </p:cNvSpPr>
+      <p:graphicFrame>
+        <p:nvGraphicFramePr>
+          <p:cNvPr id="7" name="Group 27"/>
+          <p:cNvGraphicFramePr>
+            <a:graphicFrameLocks/>
+          </p:cNvGraphicFramePr>
           <p:nvPr>
-            <p:ph idx="1"/>
+            <p:extLst>
+              <p:ext uri="{D42A27DB-BD31-4B8C-83A1-F6EECF244321}">
+                <p14:modId xmlns:p14="http://schemas.microsoft.com/office/powerpoint/2010/main" val="3340340158"/>
+              </p:ext>
+            </p:extLst>
           </p:nvPr>
-        </p:nvSpPr>
-        <p:spPr/>
-        <p:txBody>
-          <a:bodyPr/>
-          <a:lstStyle/>
-          <a:p>
-            <a:r>
-              <a:rPr lang="zh-CN" altLang="en-US" dirty="0"/>
-              <a:t>用户管理 </a:t>
-            </a:r>
-          </a:p>
-          <a:p>
-            <a:pPr lvl="1"/>
-            <a:r>
-              <a:rPr lang="en-US" altLang="zh-CN" dirty="0" err="1"/>
-              <a:t>useradd</a:t>
-            </a:r>
-            <a:r>
-              <a:rPr lang="en-US" altLang="zh-CN" dirty="0"/>
-              <a:t> </a:t>
-            </a:r>
-          </a:p>
-          <a:p>
-            <a:pPr lvl="1"/>
-            <a:r>
-              <a:rPr lang="en-US" altLang="zh-CN" dirty="0" err="1"/>
-              <a:t>usermod</a:t>
-            </a:r>
-            <a:r>
-              <a:rPr lang="en-US" altLang="zh-CN" dirty="0"/>
-              <a:t> </a:t>
-            </a:r>
-          </a:p>
-          <a:p>
-            <a:pPr lvl="1"/>
-            <a:r>
-              <a:rPr lang="en-US" altLang="zh-CN" dirty="0" err="1"/>
-              <a:t>userdel</a:t>
-            </a:r>
-            <a:r>
-              <a:rPr lang="en-US" altLang="zh-CN" dirty="0"/>
-              <a:t> </a:t>
-            </a:r>
-          </a:p>
-          <a:p>
-            <a:r>
-              <a:rPr lang="zh-CN" altLang="en-US" dirty="0"/>
-              <a:t>组管理 </a:t>
-            </a:r>
-          </a:p>
-          <a:p>
-            <a:pPr lvl="1"/>
-            <a:r>
-              <a:rPr lang="en-US" altLang="zh-CN" dirty="0" err="1"/>
-              <a:t>groupadd</a:t>
-            </a:r>
-            <a:r>
-              <a:rPr lang="en-US" altLang="zh-CN" dirty="0"/>
-              <a:t> </a:t>
-            </a:r>
-          </a:p>
-          <a:p>
-            <a:pPr lvl="1"/>
-            <a:r>
-              <a:rPr lang="en-US" altLang="zh-CN" dirty="0" err="1"/>
-              <a:t>groupmod</a:t>
-            </a:r>
-            <a:r>
-              <a:rPr lang="en-US" altLang="zh-CN" dirty="0"/>
-              <a:t> </a:t>
-            </a:r>
-          </a:p>
-          <a:p>
-            <a:pPr lvl="1"/>
-            <a:r>
-              <a:rPr lang="en-US" altLang="zh-CN" dirty="0" err="1"/>
-              <a:t>groupdel</a:t>
-            </a:r>
-            <a:endParaRPr lang="zh-CN" altLang="en-US" dirty="0"/>
-          </a:p>
-        </p:txBody>
-      </p:sp>
+        </p:nvGraphicFramePr>
+        <p:xfrm>
+          <a:off x="2087553" y="1412776"/>
+          <a:ext cx="8136904" cy="4320480"/>
+        </p:xfrm>
+        <a:graphic>
+          <a:graphicData uri="http://schemas.openxmlformats.org/drawingml/2006/table">
+            <a:tbl>
+              <a:tblPr>
+                <a:tableStyleId>{284E427A-3D55-4303-BF80-6455036E1DE7}</a:tableStyleId>
+              </a:tblPr>
+              <a:tblGrid>
+                <a:gridCol w="1584176">
+                  <a:extLst>
+                    <a:ext uri="{9D8B030D-6E8A-4147-A177-3AD203B41FA5}">
+                      <a16:colId xmlns:a16="http://schemas.microsoft.com/office/drawing/2014/main" val="20000"/>
+                    </a:ext>
+                  </a:extLst>
+                </a:gridCol>
+                <a:gridCol w="6552728">
+                  <a:extLst>
+                    <a:ext uri="{9D8B030D-6E8A-4147-A177-3AD203B41FA5}">
+                      <a16:colId xmlns:a16="http://schemas.microsoft.com/office/drawing/2014/main" val="20001"/>
+                    </a:ext>
+                  </a:extLst>
+                </a:gridCol>
+              </a:tblGrid>
+              <a:tr h="864096">
+                <a:tc>
+                  <a:txBody>
+                    <a:bodyPr/>
+                    <a:lstStyle/>
+                    <a:p>
+                      <a:pPr marL="342900" marR="0" lvl="0" indent="-342900" algn="just" defTabSz="914400" rtl="0" eaLnBrk="1" fontAlgn="ctr" latinLnBrk="0" hangingPunct="1">
+                        <a:lnSpc>
+                          <a:spcPct val="100000"/>
+                        </a:lnSpc>
+                        <a:spcBef>
+                          <a:spcPct val="0"/>
+                        </a:spcBef>
+                        <a:spcAft>
+                          <a:spcPct val="0"/>
+                        </a:spcAft>
+                        <a:buClr>
+                          <a:schemeClr val="bg2"/>
+                        </a:buClr>
+                        <a:buSzPct val="75000"/>
+                        <a:buFont typeface="Wingdings" pitchFamily="2" charset="2"/>
+                        <a:buNone/>
+                        <a:tabLst/>
+                      </a:pPr>
+                      <a:r>
+                        <a:rPr kumimoji="0" lang="en-US" altLang="zh-CN" sz="2400" b="0" i="0" u="none" strike="noStrike" cap="none" normalizeH="0" baseline="0" dirty="0">
+                          <a:ln>
+                            <a:noFill/>
+                          </a:ln>
+                          <a:solidFill>
+                            <a:schemeClr val="tx1"/>
+                          </a:solidFill>
+                          <a:effectLst/>
+                          <a:latin typeface="Arial" charset="0"/>
+                          <a:ea typeface="宋体" charset="-122"/>
+                        </a:rPr>
+                        <a:t>id</a:t>
+                      </a:r>
+                    </a:p>
+                  </a:txBody>
+                  <a:tcPr anchor="ctr" horzOverflow="overflow"/>
+                </a:tc>
+                <a:tc>
+                  <a:txBody>
+                    <a:bodyPr/>
+                    <a:lstStyle/>
+                    <a:p>
+                      <a:pPr marL="342900" marR="0" lvl="0" indent="-342900" algn="just" defTabSz="914400" rtl="0" eaLnBrk="1" fontAlgn="ctr" latinLnBrk="0" hangingPunct="1">
+                        <a:lnSpc>
+                          <a:spcPct val="100000"/>
+                        </a:lnSpc>
+                        <a:spcBef>
+                          <a:spcPct val="0"/>
+                        </a:spcBef>
+                        <a:spcAft>
+                          <a:spcPct val="0"/>
+                        </a:spcAft>
+                        <a:buClr>
+                          <a:schemeClr val="bg2"/>
+                        </a:buClr>
+                        <a:buSzPct val="75000"/>
+                        <a:buFont typeface="Wingdings" pitchFamily="2" charset="2"/>
+                        <a:buNone/>
+                        <a:tabLst/>
+                      </a:pPr>
+                      <a:r>
+                        <a:rPr kumimoji="0" lang="zh-CN" altLang="en-US" sz="2400" b="0" i="0" u="none" strike="noStrike" cap="none" normalizeH="0" baseline="0" dirty="0">
+                          <a:ln>
+                            <a:noFill/>
+                          </a:ln>
+                          <a:solidFill>
+                            <a:schemeClr val="tx1"/>
+                          </a:solidFill>
+                          <a:effectLst/>
+                          <a:latin typeface="Arial" charset="0"/>
+                          <a:ea typeface="宋体" charset="-122"/>
+                        </a:rPr>
+                        <a:t>显示用户当前的</a:t>
+                      </a:r>
+                      <a:r>
+                        <a:rPr kumimoji="0" lang="en-US" altLang="zh-CN" sz="2400" b="0" i="0" u="none" strike="noStrike" cap="none" normalizeH="0" baseline="0" dirty="0" err="1">
+                          <a:ln>
+                            <a:noFill/>
+                          </a:ln>
+                          <a:solidFill>
+                            <a:schemeClr val="tx1"/>
+                          </a:solidFill>
+                          <a:effectLst/>
+                          <a:latin typeface="Arial" charset="0"/>
+                          <a:ea typeface="宋体" charset="-122"/>
+                        </a:rPr>
+                        <a:t>uid</a:t>
+                      </a:r>
+                      <a:r>
+                        <a:rPr kumimoji="0" lang="zh-CN" altLang="en-US" sz="2400" b="0" i="0" u="none" strike="noStrike" cap="none" normalizeH="0" baseline="0" dirty="0">
+                          <a:ln>
+                            <a:noFill/>
+                          </a:ln>
+                          <a:solidFill>
+                            <a:schemeClr val="tx1"/>
+                          </a:solidFill>
+                          <a:effectLst/>
+                          <a:latin typeface="Arial" charset="0"/>
+                          <a:ea typeface="宋体" charset="-122"/>
+                        </a:rPr>
+                        <a:t>、</a:t>
+                      </a:r>
+                      <a:r>
+                        <a:rPr kumimoji="0" lang="en-US" altLang="zh-CN" sz="2400" b="0" i="0" u="none" strike="noStrike" cap="none" normalizeH="0" baseline="0" dirty="0" err="1">
+                          <a:ln>
+                            <a:noFill/>
+                          </a:ln>
+                          <a:solidFill>
+                            <a:schemeClr val="tx1"/>
+                          </a:solidFill>
+                          <a:effectLst/>
+                          <a:latin typeface="Arial" charset="0"/>
+                          <a:ea typeface="宋体" charset="-122"/>
+                        </a:rPr>
+                        <a:t>gid</a:t>
+                      </a:r>
+                      <a:r>
+                        <a:rPr kumimoji="0" lang="zh-CN" altLang="en-US" sz="2400" b="0" i="0" u="none" strike="noStrike" cap="none" normalizeH="0" baseline="0" dirty="0">
+                          <a:ln>
+                            <a:noFill/>
+                          </a:ln>
+                          <a:solidFill>
+                            <a:schemeClr val="tx1"/>
+                          </a:solidFill>
+                          <a:effectLst/>
+                          <a:latin typeface="Arial" charset="0"/>
+                          <a:ea typeface="宋体" charset="-122"/>
+                        </a:rPr>
+                        <a:t>和用户所属的组列表</a:t>
+                      </a:r>
+                    </a:p>
+                  </a:txBody>
+                  <a:tcPr anchor="ctr" horzOverflow="overflow"/>
+                </a:tc>
+                <a:extLst>
+                  <a:ext uri="{0D108BD9-81ED-4DB2-BD59-A6C34878D82A}">
+                    <a16:rowId xmlns:a16="http://schemas.microsoft.com/office/drawing/2014/main" val="10000"/>
+                  </a:ext>
+                </a:extLst>
+              </a:tr>
+              <a:tr h="846652">
+                <a:tc>
+                  <a:txBody>
+                    <a:bodyPr/>
+                    <a:lstStyle/>
+                    <a:p>
+                      <a:pPr marL="342900" marR="0" lvl="0" indent="-342900" algn="just" defTabSz="914400" rtl="0" eaLnBrk="1" fontAlgn="ctr" latinLnBrk="0" hangingPunct="1">
+                        <a:lnSpc>
+                          <a:spcPct val="100000"/>
+                        </a:lnSpc>
+                        <a:spcBef>
+                          <a:spcPct val="0"/>
+                        </a:spcBef>
+                        <a:spcAft>
+                          <a:spcPct val="0"/>
+                        </a:spcAft>
+                        <a:buClr>
+                          <a:schemeClr val="bg2"/>
+                        </a:buClr>
+                        <a:buSzPct val="75000"/>
+                        <a:buFont typeface="Wingdings" pitchFamily="2" charset="2"/>
+                        <a:buNone/>
+                        <a:tabLst/>
+                      </a:pPr>
+                      <a:r>
+                        <a:rPr kumimoji="0" lang="en-US" altLang="zh-CN" sz="2400" b="0" i="0" u="none" strike="noStrike" cap="none" normalizeH="0" baseline="0" dirty="0">
+                          <a:ln>
+                            <a:noFill/>
+                          </a:ln>
+                          <a:solidFill>
+                            <a:schemeClr val="tx1"/>
+                          </a:solidFill>
+                          <a:effectLst/>
+                          <a:latin typeface="Arial" charset="0"/>
+                          <a:ea typeface="宋体" charset="-122"/>
+                        </a:rPr>
+                        <a:t>groups</a:t>
+                      </a:r>
+                    </a:p>
+                  </a:txBody>
+                  <a:tcPr anchor="ctr" horzOverflow="overflow"/>
+                </a:tc>
+                <a:tc>
+                  <a:txBody>
+                    <a:bodyPr/>
+                    <a:lstStyle/>
+                    <a:p>
+                      <a:pPr marL="342900" marR="0" lvl="0" indent="-342900" algn="just" defTabSz="914400" rtl="0" eaLnBrk="1" fontAlgn="ctr" latinLnBrk="0" hangingPunct="1">
+                        <a:lnSpc>
+                          <a:spcPct val="100000"/>
+                        </a:lnSpc>
+                        <a:spcBef>
+                          <a:spcPct val="0"/>
+                        </a:spcBef>
+                        <a:spcAft>
+                          <a:spcPct val="0"/>
+                        </a:spcAft>
+                        <a:buClr>
+                          <a:schemeClr val="bg2"/>
+                        </a:buClr>
+                        <a:buSzPct val="75000"/>
+                        <a:buFont typeface="Wingdings" pitchFamily="2" charset="2"/>
+                        <a:buNone/>
+                        <a:tabLst/>
+                      </a:pPr>
+                      <a:r>
+                        <a:rPr kumimoji="0" lang="zh-CN" altLang="en-US" sz="2400" b="0" i="0" u="none" strike="noStrike" cap="none" normalizeH="0" baseline="0" dirty="0">
+                          <a:ln>
+                            <a:noFill/>
+                          </a:ln>
+                          <a:solidFill>
+                            <a:schemeClr val="tx1"/>
+                          </a:solidFill>
+                          <a:effectLst/>
+                          <a:latin typeface="Arial" charset="0"/>
+                          <a:ea typeface="宋体" charset="-122"/>
+                        </a:rPr>
+                        <a:t>显示指定用户所属的组列表</a:t>
+                      </a:r>
+                    </a:p>
+                  </a:txBody>
+                  <a:tcPr anchor="ctr" horzOverflow="overflow"/>
+                </a:tc>
+                <a:extLst>
+                  <a:ext uri="{0D108BD9-81ED-4DB2-BD59-A6C34878D82A}">
+                    <a16:rowId xmlns:a16="http://schemas.microsoft.com/office/drawing/2014/main" val="10001"/>
+                  </a:ext>
+                </a:extLst>
+              </a:tr>
+              <a:tr h="737524">
+                <a:tc>
+                  <a:txBody>
+                    <a:bodyPr/>
+                    <a:lstStyle/>
+                    <a:p>
+                      <a:pPr marL="342900" marR="0" lvl="0" indent="-342900" algn="just" defTabSz="914400" rtl="0" eaLnBrk="1" fontAlgn="ctr" latinLnBrk="0" hangingPunct="1">
+                        <a:lnSpc>
+                          <a:spcPct val="100000"/>
+                        </a:lnSpc>
+                        <a:spcBef>
+                          <a:spcPct val="0"/>
+                        </a:spcBef>
+                        <a:spcAft>
+                          <a:spcPct val="0"/>
+                        </a:spcAft>
+                        <a:buClr>
+                          <a:schemeClr val="bg2"/>
+                        </a:buClr>
+                        <a:buSzPct val="75000"/>
+                        <a:buFont typeface="Wingdings" pitchFamily="2" charset="2"/>
+                        <a:buNone/>
+                        <a:tabLst/>
+                        <a:defRPr/>
+                      </a:pPr>
+                      <a:r>
+                        <a:rPr kumimoji="0" lang="en-US" altLang="zh-CN" sz="2400" b="0" i="0" u="none" strike="noStrike" cap="none" normalizeH="0" baseline="0" dirty="0" err="1">
+                          <a:ln>
+                            <a:noFill/>
+                          </a:ln>
+                          <a:solidFill>
+                            <a:schemeClr val="tx1"/>
+                          </a:solidFill>
+                          <a:effectLst/>
+                          <a:latin typeface="Arial" charset="0"/>
+                          <a:ea typeface="宋体" charset="-122"/>
+                        </a:rPr>
+                        <a:t>whoami</a:t>
+                      </a:r>
+                      <a:r>
+                        <a:rPr kumimoji="0" lang="en-US" altLang="zh-CN" sz="2400" b="0" i="0" u="none" strike="noStrike" cap="none" normalizeH="0" baseline="0" dirty="0">
+                          <a:ln>
+                            <a:noFill/>
+                          </a:ln>
+                          <a:solidFill>
+                            <a:schemeClr val="tx1"/>
+                          </a:solidFill>
+                          <a:effectLst/>
+                          <a:latin typeface="Arial" charset="0"/>
+                          <a:ea typeface="宋体" charset="-122"/>
+                        </a:rPr>
+                        <a:t> </a:t>
+                      </a:r>
+                    </a:p>
+                  </a:txBody>
+                  <a:tcPr anchor="ctr" horzOverflow="overflow"/>
+                </a:tc>
+                <a:tc>
+                  <a:txBody>
+                    <a:bodyPr/>
+                    <a:lstStyle/>
+                    <a:p>
+                      <a:pPr marL="342900" marR="0" lvl="0" indent="-342900" algn="just" defTabSz="914400" rtl="0" eaLnBrk="1" fontAlgn="ctr" latinLnBrk="0" hangingPunct="1">
+                        <a:lnSpc>
+                          <a:spcPct val="100000"/>
+                        </a:lnSpc>
+                        <a:spcBef>
+                          <a:spcPct val="0"/>
+                        </a:spcBef>
+                        <a:spcAft>
+                          <a:spcPct val="0"/>
+                        </a:spcAft>
+                        <a:buClr>
+                          <a:schemeClr val="bg2"/>
+                        </a:buClr>
+                        <a:buSzPct val="75000"/>
+                        <a:buFont typeface="Wingdings" pitchFamily="2" charset="2"/>
+                        <a:buNone/>
+                        <a:tabLst/>
+                        <a:defRPr/>
+                      </a:pPr>
+                      <a:r>
+                        <a:rPr kumimoji="0" lang="zh-CN" altLang="en-US" sz="2400" b="0" i="0" u="none" strike="noStrike" cap="none" normalizeH="0" baseline="0" dirty="0">
+                          <a:ln>
+                            <a:noFill/>
+                          </a:ln>
+                          <a:solidFill>
+                            <a:schemeClr val="tx1"/>
+                          </a:solidFill>
+                          <a:effectLst/>
+                          <a:latin typeface="Arial" charset="0"/>
+                          <a:ea typeface="宋体" charset="-122"/>
+                        </a:rPr>
+                        <a:t>显示当前用户的名称</a:t>
+                      </a:r>
+                    </a:p>
+                  </a:txBody>
+                  <a:tcPr anchor="ctr" horzOverflow="overflow"/>
+                </a:tc>
+                <a:extLst>
+                  <a:ext uri="{0D108BD9-81ED-4DB2-BD59-A6C34878D82A}">
+                    <a16:rowId xmlns:a16="http://schemas.microsoft.com/office/drawing/2014/main" val="10002"/>
+                  </a:ext>
+                </a:extLst>
+              </a:tr>
+              <a:tr h="843017">
+                <a:tc>
+                  <a:txBody>
+                    <a:bodyPr/>
+                    <a:lstStyle/>
+                    <a:p>
+                      <a:pPr marL="342900" marR="0" lvl="0" indent="-342900" algn="just" defTabSz="914400" rtl="0" eaLnBrk="1" fontAlgn="ctr" latinLnBrk="0" hangingPunct="1">
+                        <a:lnSpc>
+                          <a:spcPct val="100000"/>
+                        </a:lnSpc>
+                        <a:spcBef>
+                          <a:spcPct val="0"/>
+                        </a:spcBef>
+                        <a:spcAft>
+                          <a:spcPct val="0"/>
+                        </a:spcAft>
+                        <a:buClr>
+                          <a:schemeClr val="bg2"/>
+                        </a:buClr>
+                        <a:buSzPct val="75000"/>
+                        <a:buFont typeface="Wingdings" pitchFamily="2" charset="2"/>
+                        <a:buNone/>
+                        <a:tabLst/>
+                      </a:pPr>
+                      <a:r>
+                        <a:rPr kumimoji="0" lang="en-US" altLang="zh-CN" sz="2400" b="0" i="0" u="none" strike="noStrike" cap="none" normalizeH="0" baseline="0" dirty="0">
+                          <a:ln>
+                            <a:noFill/>
+                          </a:ln>
+                          <a:solidFill>
+                            <a:schemeClr val="tx1"/>
+                          </a:solidFill>
+                          <a:effectLst/>
+                          <a:latin typeface="Arial" charset="0"/>
+                          <a:ea typeface="宋体" charset="-122"/>
+                        </a:rPr>
+                        <a:t>w/who</a:t>
+                      </a:r>
+                    </a:p>
+                  </a:txBody>
+                  <a:tcPr anchor="ctr" horzOverflow="overflow"/>
+                </a:tc>
+                <a:tc>
+                  <a:txBody>
+                    <a:bodyPr/>
+                    <a:lstStyle/>
+                    <a:p>
+                      <a:pPr marL="342900" marR="0" lvl="0" indent="-342900" algn="just" defTabSz="914400" rtl="0" eaLnBrk="1" fontAlgn="ctr" latinLnBrk="0" hangingPunct="1">
+                        <a:lnSpc>
+                          <a:spcPct val="100000"/>
+                        </a:lnSpc>
+                        <a:spcBef>
+                          <a:spcPct val="0"/>
+                        </a:spcBef>
+                        <a:spcAft>
+                          <a:spcPct val="0"/>
+                        </a:spcAft>
+                        <a:buClr>
+                          <a:schemeClr val="bg2"/>
+                        </a:buClr>
+                        <a:buSzPct val="75000"/>
+                        <a:buFont typeface="Wingdings" pitchFamily="2" charset="2"/>
+                        <a:buNone/>
+                        <a:tabLst/>
+                      </a:pPr>
+                      <a:r>
+                        <a:rPr kumimoji="0" lang="zh-CN" altLang="en-US" sz="2400" b="0" i="0" u="none" strike="noStrike" cap="none" normalizeH="0" baseline="0" dirty="0">
+                          <a:ln>
+                            <a:noFill/>
+                          </a:ln>
+                          <a:solidFill>
+                            <a:schemeClr val="tx1"/>
+                          </a:solidFill>
+                          <a:effectLst/>
+                          <a:latin typeface="Arial" charset="0"/>
+                          <a:ea typeface="宋体" charset="-122"/>
+                        </a:rPr>
+                        <a:t>显示登录用户及相关信息</a:t>
+                      </a:r>
+                    </a:p>
+                  </a:txBody>
+                  <a:tcPr anchor="ctr" horzOverflow="overflow"/>
+                </a:tc>
+                <a:extLst>
+                  <a:ext uri="{0D108BD9-81ED-4DB2-BD59-A6C34878D82A}">
+                    <a16:rowId xmlns:a16="http://schemas.microsoft.com/office/drawing/2014/main" val="10003"/>
+                  </a:ext>
+                </a:extLst>
+              </a:tr>
+              <a:tr h="1029191">
+                <a:tc>
+                  <a:txBody>
+                    <a:bodyPr/>
+                    <a:lstStyle/>
+                    <a:p>
+                      <a:pPr marL="342900" marR="0" lvl="0" indent="-342900" algn="just" defTabSz="914400" rtl="0" eaLnBrk="1" fontAlgn="ctr" latinLnBrk="0" hangingPunct="1">
+                        <a:lnSpc>
+                          <a:spcPct val="100000"/>
+                        </a:lnSpc>
+                        <a:spcBef>
+                          <a:spcPct val="0"/>
+                        </a:spcBef>
+                        <a:spcAft>
+                          <a:spcPct val="0"/>
+                        </a:spcAft>
+                        <a:buClr>
+                          <a:schemeClr val="bg2"/>
+                        </a:buClr>
+                        <a:buSzPct val="75000"/>
+                        <a:buFont typeface="Wingdings" pitchFamily="2" charset="2"/>
+                        <a:buNone/>
+                        <a:tabLst/>
+                      </a:pPr>
+                      <a:r>
+                        <a:rPr kumimoji="0" lang="en-US" altLang="zh-CN" sz="2400" b="0" i="0" u="none" strike="noStrike" cap="none" normalizeH="0" baseline="0" dirty="0" err="1">
+                          <a:ln>
+                            <a:noFill/>
+                          </a:ln>
+                          <a:solidFill>
+                            <a:schemeClr val="tx1"/>
+                          </a:solidFill>
+                          <a:effectLst/>
+                          <a:latin typeface="Arial" charset="0"/>
+                          <a:ea typeface="宋体" charset="-122"/>
+                        </a:rPr>
+                        <a:t>newgrp</a:t>
+                      </a:r>
+                      <a:endParaRPr kumimoji="0" lang="en-US" altLang="zh-CN" sz="2400" b="0" i="0" u="none" strike="noStrike" cap="none" normalizeH="0" baseline="0" dirty="0">
+                        <a:ln>
+                          <a:noFill/>
+                        </a:ln>
+                        <a:solidFill>
+                          <a:schemeClr val="tx1"/>
+                        </a:solidFill>
+                        <a:effectLst/>
+                        <a:latin typeface="Arial" charset="0"/>
+                        <a:ea typeface="宋体" charset="-122"/>
+                      </a:endParaRPr>
+                    </a:p>
+                  </a:txBody>
+                  <a:tcPr anchor="ctr" horzOverflow="overflow"/>
+                </a:tc>
+                <a:tc>
+                  <a:txBody>
+                    <a:bodyPr/>
+                    <a:lstStyle/>
+                    <a:p>
+                      <a:pPr marL="0" marR="0" lvl="0" indent="0" algn="l" defTabSz="914400" rtl="0" eaLnBrk="1" fontAlgn="ctr" latinLnBrk="0" hangingPunct="1">
+                        <a:lnSpc>
+                          <a:spcPct val="100000"/>
+                        </a:lnSpc>
+                        <a:spcBef>
+                          <a:spcPct val="0"/>
+                        </a:spcBef>
+                        <a:spcAft>
+                          <a:spcPct val="0"/>
+                        </a:spcAft>
+                        <a:buClr>
+                          <a:schemeClr val="bg2"/>
+                        </a:buClr>
+                        <a:buSzPct val="75000"/>
+                        <a:buFont typeface="Wingdings" pitchFamily="2" charset="2"/>
+                        <a:buNone/>
+                        <a:tabLst/>
+                      </a:pPr>
+                      <a:r>
+                        <a:rPr kumimoji="0" lang="zh-CN" altLang="en-US" sz="2400" b="0" i="0" u="none" strike="noStrike" cap="none" normalizeH="0" baseline="0" dirty="0">
+                          <a:ln>
+                            <a:noFill/>
+                          </a:ln>
+                          <a:solidFill>
+                            <a:schemeClr val="tx1"/>
+                          </a:solidFill>
+                          <a:effectLst/>
+                          <a:latin typeface="Arial" charset="0"/>
+                          <a:ea typeface="宋体" charset="-122"/>
+                        </a:rPr>
+                        <a:t>用于转换用户的当前组到指定的组账号，用户必须属于该组才可以正确执行该命令</a:t>
+                      </a:r>
+                    </a:p>
+                  </a:txBody>
+                  <a:tcPr anchor="ctr" horzOverflow="overflow"/>
+                </a:tc>
+                <a:extLst>
+                  <a:ext uri="{0D108BD9-81ED-4DB2-BD59-A6C34878D82A}">
+                    <a16:rowId xmlns:a16="http://schemas.microsoft.com/office/drawing/2014/main" val="10004"/>
+                  </a:ext>
+                </a:extLst>
+              </a:tr>
+            </a:tbl>
+          </a:graphicData>
+        </a:graphic>
+      </p:graphicFrame>
     </p:spTree>
     <p:extLst>
       <p:ext uri="{BB962C8B-B14F-4D97-AF65-F5344CB8AC3E}">
-        <p14:creationId xmlns:p14="http://schemas.microsoft.com/office/powerpoint/2010/main" val="452114668"/>
+        <p14:creationId xmlns:p14="http://schemas.microsoft.com/office/powerpoint/2010/main" val="2915444977"/>
       </p:ext>
     </p:extLst>
   </p:cSld>
@@ -23721,6 +24202,150 @@
 </file>
 
 <file path=ppt/slides/slide20.xml><?xml version="1.0" encoding="utf-8"?>
+<p:sld xmlns:a="http://schemas.openxmlformats.org/drawingml/2006/main" xmlns:r="http://schemas.openxmlformats.org/officeDocument/2006/relationships" xmlns:p="http://schemas.openxmlformats.org/presentationml/2006/main">
+  <p:cSld>
+    <p:spTree>
+      <p:nvGrpSpPr>
+        <p:cNvPr id="1" name=""/>
+        <p:cNvGrpSpPr/>
+        <p:nvPr/>
+      </p:nvGrpSpPr>
+      <p:grpSpPr>
+        <a:xfrm>
+          <a:off x="0" y="0"/>
+          <a:ext cx="0" cy="0"/>
+          <a:chOff x="0" y="0"/>
+          <a:chExt cx="0" cy="0"/>
+        </a:xfrm>
+      </p:grpSpPr>
+      <p:sp>
+        <p:nvSpPr>
+          <p:cNvPr id="2" name="标题 1"/>
+          <p:cNvSpPr>
+            <a:spLocks noGrp="1"/>
+          </p:cNvSpPr>
+          <p:nvPr>
+            <p:ph type="title"/>
+          </p:nvPr>
+        </p:nvSpPr>
+        <p:spPr/>
+        <p:txBody>
+          <a:bodyPr/>
+          <a:lstStyle/>
+          <a:p>
+            <a:r>
+              <a:rPr lang="zh-CN" altLang="en-US"/>
+              <a:t>用户和组管理工具</a:t>
+            </a:r>
+            <a:endParaRPr lang="zh-CN" altLang="en-US" dirty="0"/>
+          </a:p>
+        </p:txBody>
+      </p:sp>
+      <p:sp>
+        <p:nvSpPr>
+          <p:cNvPr id="3" name="内容占位符 2"/>
+          <p:cNvSpPr>
+            <a:spLocks noGrp="1"/>
+          </p:cNvSpPr>
+          <p:nvPr>
+            <p:ph idx="1"/>
+          </p:nvPr>
+        </p:nvSpPr>
+        <p:spPr/>
+        <p:txBody>
+          <a:bodyPr/>
+          <a:lstStyle/>
+          <a:p>
+            <a:r>
+              <a:rPr lang="zh-CN" altLang="en-US" dirty="0"/>
+              <a:t>用户管理 </a:t>
+            </a:r>
+          </a:p>
+          <a:p>
+            <a:pPr lvl="1"/>
+            <a:r>
+              <a:rPr lang="en-US" altLang="zh-CN" dirty="0" err="1"/>
+              <a:t>useradd</a:t>
+            </a:r>
+            <a:r>
+              <a:rPr lang="en-US" altLang="zh-CN" dirty="0"/>
+              <a:t> </a:t>
+            </a:r>
+          </a:p>
+          <a:p>
+            <a:pPr lvl="1"/>
+            <a:r>
+              <a:rPr lang="en-US" altLang="zh-CN" dirty="0" err="1"/>
+              <a:t>usermod</a:t>
+            </a:r>
+            <a:r>
+              <a:rPr lang="en-US" altLang="zh-CN" dirty="0"/>
+              <a:t> </a:t>
+            </a:r>
+          </a:p>
+          <a:p>
+            <a:pPr lvl="1"/>
+            <a:r>
+              <a:rPr lang="en-US" altLang="zh-CN" dirty="0" err="1"/>
+              <a:t>userdel</a:t>
+            </a:r>
+            <a:r>
+              <a:rPr lang="en-US" altLang="zh-CN" dirty="0"/>
+              <a:t> </a:t>
+            </a:r>
+          </a:p>
+          <a:p>
+            <a:r>
+              <a:rPr lang="zh-CN" altLang="en-US" dirty="0"/>
+              <a:t>组管理 </a:t>
+            </a:r>
+          </a:p>
+          <a:p>
+            <a:pPr lvl="1"/>
+            <a:r>
+              <a:rPr lang="en-US" altLang="zh-CN" dirty="0" err="1"/>
+              <a:t>groupadd</a:t>
+            </a:r>
+            <a:r>
+              <a:rPr lang="en-US" altLang="zh-CN" dirty="0"/>
+              <a:t> </a:t>
+            </a:r>
+          </a:p>
+          <a:p>
+            <a:pPr lvl="1"/>
+            <a:r>
+              <a:rPr lang="en-US" altLang="zh-CN" dirty="0" err="1"/>
+              <a:t>groupmod</a:t>
+            </a:r>
+            <a:r>
+              <a:rPr lang="en-US" altLang="zh-CN" dirty="0"/>
+              <a:t> </a:t>
+            </a:r>
+          </a:p>
+          <a:p>
+            <a:pPr lvl="1"/>
+            <a:r>
+              <a:rPr lang="en-US" altLang="zh-CN" dirty="0" err="1"/>
+              <a:t>groupdel</a:t>
+            </a:r>
+            <a:endParaRPr lang="zh-CN" altLang="en-US" dirty="0"/>
+          </a:p>
+        </p:txBody>
+      </p:sp>
+    </p:spTree>
+    <p:extLst>
+      <p:ext uri="{BB962C8B-B14F-4D97-AF65-F5344CB8AC3E}">
+        <p14:creationId xmlns:p14="http://schemas.microsoft.com/office/powerpoint/2010/main" val="452114668"/>
+      </p:ext>
+    </p:extLst>
+  </p:cSld>
+  <p:clrMapOvr>
+    <a:masterClrMapping/>
+  </p:clrMapOvr>
+</p:sld>
+</file>
+
+<file path=ppt/slides/slide21.xml><?xml version="1.0" encoding="utf-8"?>
 <p:sld xmlns:a="http://schemas.openxmlformats.org/drawingml/2006/main" xmlns:r="http://schemas.openxmlformats.org/officeDocument/2006/relationships" xmlns:p="http://schemas.openxmlformats.org/presentationml/2006/main">
   <p:cSld>
     <p:spTree>
@@ -24643,202 +25268,6 @@
 </p:sld>
 </file>
 
-<file path=ppt/slides/slide21.xml><?xml version="1.0" encoding="utf-8"?>
-<p:sld xmlns:a="http://schemas.openxmlformats.org/drawingml/2006/main" xmlns:r="http://schemas.openxmlformats.org/officeDocument/2006/relationships" xmlns:p="http://schemas.openxmlformats.org/presentationml/2006/main">
-  <p:cSld>
-    <p:spTree>
-      <p:nvGrpSpPr>
-        <p:cNvPr id="1" name=""/>
-        <p:cNvGrpSpPr/>
-        <p:nvPr/>
-      </p:nvGrpSpPr>
-      <p:grpSpPr>
-        <a:xfrm>
-          <a:off x="0" y="0"/>
-          <a:ext cx="0" cy="0"/>
-          <a:chOff x="0" y="0"/>
-          <a:chExt cx="0" cy="0"/>
-        </a:xfrm>
-      </p:grpSpPr>
-      <p:sp>
-        <p:nvSpPr>
-          <p:cNvPr id="2" name="标题 1"/>
-          <p:cNvSpPr>
-            <a:spLocks noGrp="1"/>
-          </p:cNvSpPr>
-          <p:nvPr>
-            <p:ph type="title"/>
-          </p:nvPr>
-        </p:nvSpPr>
-        <p:spPr/>
-        <p:txBody>
-          <a:bodyPr/>
-          <a:lstStyle/>
-          <a:p>
-            <a:r>
-              <a:rPr lang="en-US" altLang="zh-CN"/>
-              <a:t>useradd</a:t>
-            </a:r>
-            <a:r>
-              <a:rPr lang="zh-CN" altLang="en-US"/>
-              <a:t>命令添加用户的过程</a:t>
-            </a:r>
-            <a:endParaRPr lang="zh-CN" altLang="en-US" dirty="0"/>
-          </a:p>
-        </p:txBody>
-      </p:sp>
-      <p:sp>
-        <p:nvSpPr>
-          <p:cNvPr id="3" name="内容占位符 2"/>
-          <p:cNvSpPr>
-            <a:spLocks noGrp="1"/>
-          </p:cNvSpPr>
-          <p:nvPr>
-            <p:ph idx="1"/>
-          </p:nvPr>
-        </p:nvSpPr>
-        <p:spPr/>
-        <p:txBody>
-          <a:bodyPr/>
-          <a:lstStyle/>
-          <a:p>
-            <a:r>
-              <a:rPr lang="zh-CN" altLang="en-US" dirty="0"/>
-              <a:t>编辑账户验证信息文件</a:t>
-            </a:r>
-          </a:p>
-          <a:p>
-            <a:pPr lvl="1"/>
-            <a:r>
-              <a:rPr lang="en-US" altLang="zh-CN" dirty="0"/>
-              <a:t>/</a:t>
-            </a:r>
-            <a:r>
-              <a:rPr lang="en-US" altLang="zh-CN" dirty="0" err="1"/>
-              <a:t>etc</a:t>
-            </a:r>
-            <a:r>
-              <a:rPr lang="en-US" altLang="zh-CN" dirty="0"/>
-              <a:t>/</a:t>
-            </a:r>
-            <a:r>
-              <a:rPr lang="en-US" altLang="zh-CN" dirty="0" err="1"/>
-              <a:t>passwd</a:t>
-            </a:r>
-            <a:r>
-              <a:rPr lang="en-US" altLang="zh-CN" dirty="0"/>
-              <a:t>, /</a:t>
-            </a:r>
-            <a:r>
-              <a:rPr lang="en-US" altLang="zh-CN" dirty="0" err="1"/>
-              <a:t>etc</a:t>
-            </a:r>
-            <a:r>
-              <a:rPr lang="en-US" altLang="zh-CN" dirty="0"/>
-              <a:t>/shadow</a:t>
-            </a:r>
-          </a:p>
-          <a:p>
-            <a:pPr lvl="1"/>
-            <a:r>
-              <a:rPr lang="en-US" altLang="zh-CN" dirty="0"/>
-              <a:t>/</a:t>
-            </a:r>
-            <a:r>
-              <a:rPr lang="en-US" altLang="zh-CN" dirty="0" err="1"/>
-              <a:t>etc</a:t>
-            </a:r>
-            <a:r>
-              <a:rPr lang="en-US" altLang="zh-CN" dirty="0"/>
-              <a:t>/group, /</a:t>
-            </a:r>
-            <a:r>
-              <a:rPr lang="en-US" altLang="zh-CN" dirty="0" err="1"/>
-              <a:t>etc</a:t>
-            </a:r>
-            <a:r>
-              <a:rPr lang="en-US" altLang="zh-CN" dirty="0"/>
-              <a:t>/</a:t>
-            </a:r>
-            <a:r>
-              <a:rPr lang="en-US" altLang="zh-CN" dirty="0" err="1"/>
-              <a:t>gshadow</a:t>
-            </a:r>
-            <a:r>
-              <a:rPr lang="en-US" altLang="zh-CN" dirty="0"/>
-              <a:t> </a:t>
-            </a:r>
-          </a:p>
-          <a:p>
-            <a:r>
-              <a:rPr lang="zh-CN" altLang="en-US" dirty="0"/>
-              <a:t>创建主目录 </a:t>
-            </a:r>
-            <a:r>
-              <a:rPr lang="en-US" altLang="zh-CN" dirty="0"/>
-              <a:t>/home/&lt;username&gt;</a:t>
-            </a:r>
-          </a:p>
-          <a:p>
-            <a:pPr lvl="1"/>
-            <a:r>
-              <a:rPr lang="zh-CN" altLang="en-US" dirty="0"/>
-              <a:t>根据骨架目录（</a:t>
-            </a:r>
-            <a:r>
-              <a:rPr lang="en-US" altLang="zh-CN" dirty="0"/>
-              <a:t>Skeleton Directory</a:t>
-            </a:r>
-            <a:r>
-              <a:rPr lang="zh-CN" altLang="en-US" dirty="0"/>
-              <a:t>） </a:t>
-            </a:r>
-            <a:r>
-              <a:rPr lang="en-US" altLang="zh-CN" dirty="0"/>
-              <a:t>/</a:t>
-            </a:r>
-            <a:r>
-              <a:rPr lang="en-US" altLang="zh-CN" dirty="0" err="1"/>
-              <a:t>etc</a:t>
-            </a:r>
-            <a:r>
-              <a:rPr lang="en-US" altLang="zh-CN" dirty="0"/>
-              <a:t>/</a:t>
-            </a:r>
-            <a:r>
-              <a:rPr lang="en-US" altLang="zh-CN" dirty="0" err="1"/>
-              <a:t>skel</a:t>
-            </a:r>
-            <a:r>
-              <a:rPr lang="en-US" altLang="zh-CN" dirty="0"/>
-              <a:t>/ </a:t>
-            </a:r>
-            <a:r>
-              <a:rPr lang="zh-CN" altLang="en-US" dirty="0"/>
-              <a:t>的内容填充用户主目录 </a:t>
-            </a:r>
-          </a:p>
-          <a:p>
-            <a:r>
-              <a:rPr lang="zh-CN" altLang="en-US" dirty="0"/>
-              <a:t>设置权限 </a:t>
-            </a:r>
-          </a:p>
-        </p:txBody>
-      </p:sp>
-    </p:spTree>
-    <p:extLst>
-      <p:ext uri="{BB962C8B-B14F-4D97-AF65-F5344CB8AC3E}">
-        <p14:creationId xmlns:p14="http://schemas.microsoft.com/office/powerpoint/2010/main" val="3891848301"/>
-      </p:ext>
-    </p:extLst>
-  </p:cSld>
-  <p:clrMapOvr>
-    <a:masterClrMapping/>
-  </p:clrMapOvr>
-</p:sld>
-</file>
-
 <file path=ppt/slides/slide22.xml><?xml version="1.0" encoding="utf-8"?>
 <p:sld xmlns:a="http://schemas.openxmlformats.org/drawingml/2006/main" xmlns:r="http://schemas.openxmlformats.org/officeDocument/2006/relationships" xmlns:p="http://schemas.openxmlformats.org/presentationml/2006/main">
   <p:cSld>
@@ -24872,8 +25301,12 @@
           <a:lstStyle/>
           <a:p>
             <a:r>
+              <a:rPr lang="en-US" altLang="zh-CN"/>
+              <a:t>useradd</a:t>
+            </a:r>
+            <a:r>
               <a:rPr lang="zh-CN" altLang="en-US"/>
-              <a:t>设置用户口令</a:t>
+              <a:t>命令添加用户的过程</a:t>
             </a:r>
             <a:endParaRPr lang="zh-CN" altLang="en-US" dirty="0"/>
           </a:p>
@@ -24895,79 +25328,133 @@
           <a:lstStyle/>
           <a:p>
             <a:r>
-              <a:rPr lang="zh-CN" altLang="en-US"/>
-              <a:t>命令格式</a:t>
+              <a:rPr lang="zh-CN" altLang="en-US" dirty="0"/>
+              <a:t>编辑账户验证信息文件</a:t>
             </a:r>
           </a:p>
           <a:p>
             <a:pPr lvl="1"/>
             <a:r>
-              <a:rPr lang="en-US" altLang="zh-CN"/>
-              <a:t>passwd [&lt;</a:t>
-            </a:r>
-            <a:r>
-              <a:rPr lang="zh-CN" altLang="en-US"/>
-              <a:t>用户账号名</a:t>
-            </a:r>
-            <a:r>
-              <a:rPr lang="en-US" altLang="zh-CN"/>
-              <a:t>&gt;]</a:t>
-            </a:r>
-          </a:p>
-          <a:p>
-            <a:r>
-              <a:rPr lang="zh-CN" altLang="en-US"/>
-              <a:t>使用举例</a:t>
+              <a:rPr lang="en-US" altLang="zh-CN" dirty="0"/>
+              <a:t>/</a:t>
+            </a:r>
+            <a:r>
+              <a:rPr lang="en-US" altLang="zh-CN" dirty="0" err="1"/>
+              <a:t>etc</a:t>
+            </a:r>
+            <a:r>
+              <a:rPr lang="en-US" altLang="zh-CN" dirty="0"/>
+              <a:t>/</a:t>
+            </a:r>
+            <a:r>
+              <a:rPr lang="en-US" altLang="zh-CN" dirty="0" err="1"/>
+              <a:t>passwd</a:t>
+            </a:r>
+            <a:r>
+              <a:rPr lang="en-US" altLang="zh-CN" dirty="0"/>
+              <a:t>, /</a:t>
+            </a:r>
+            <a:r>
+              <a:rPr lang="en-US" altLang="zh-CN" dirty="0" err="1"/>
+              <a:t>etc</a:t>
+            </a:r>
+            <a:r>
+              <a:rPr lang="en-US" altLang="zh-CN" dirty="0"/>
+              <a:t>/shadow</a:t>
             </a:r>
           </a:p>
           <a:p>
             <a:pPr lvl="1"/>
             <a:r>
-              <a:rPr lang="zh-CN" altLang="en-US"/>
-              <a:t>设置用户自己的口令</a:t>
+              <a:rPr lang="en-US" altLang="zh-CN" dirty="0"/>
+              <a:t>/</a:t>
+            </a:r>
+            <a:r>
+              <a:rPr lang="en-US" altLang="zh-CN" dirty="0" err="1"/>
+              <a:t>etc</a:t>
+            </a:r>
+            <a:r>
+              <a:rPr lang="en-US" altLang="zh-CN" dirty="0"/>
+              <a:t>/group, /</a:t>
+            </a:r>
+            <a:r>
+              <a:rPr lang="en-US" altLang="zh-CN" dirty="0" err="1"/>
+              <a:t>etc</a:t>
+            </a:r>
+            <a:r>
+              <a:rPr lang="en-US" altLang="zh-CN" dirty="0"/>
+              <a:t>/</a:t>
+            </a:r>
+            <a:r>
+              <a:rPr lang="en-US" altLang="zh-CN" dirty="0" err="1"/>
+              <a:t>gshadow</a:t>
+            </a:r>
+            <a:r>
+              <a:rPr lang="en-US" altLang="zh-CN" dirty="0"/>
+              <a:t> </a:t>
             </a:r>
           </a:p>
           <a:p>
-            <a:pPr lvl="2"/>
-            <a:r>
-              <a:rPr lang="en-US" altLang="zh-CN"/>
-              <a:t>$ passwd</a:t>
-            </a:r>
-          </a:p>
-          <a:p>
-            <a:pPr lvl="2"/>
-            <a:r>
-              <a:rPr lang="en-US" altLang="zh-CN"/>
-              <a:t># passwd</a:t>
+            <a:r>
+              <a:rPr lang="zh-CN" altLang="en-US" dirty="0"/>
+              <a:t>创建主目录 </a:t>
+            </a:r>
+            <a:r>
+              <a:rPr lang="en-US" altLang="zh-CN" dirty="0"/>
+              <a:t>/home/&lt;username&gt;</a:t>
             </a:r>
           </a:p>
           <a:p>
             <a:pPr lvl="1"/>
             <a:r>
-              <a:rPr lang="en-US" altLang="zh-CN"/>
-              <a:t>root </a:t>
-            </a:r>
-            <a:r>
-              <a:rPr lang="zh-CN" altLang="en-US"/>
-              <a:t>用户设置他人的口令</a:t>
+              <a:rPr lang="zh-CN" altLang="en-US" dirty="0"/>
+              <a:t>根据骨架目录（</a:t>
+            </a:r>
+            <a:r>
+              <a:rPr lang="en-US" altLang="zh-CN" dirty="0"/>
+              <a:t>Skeleton Directory</a:t>
+            </a:r>
+            <a:r>
+              <a:rPr lang="zh-CN" altLang="en-US" dirty="0"/>
+              <a:t>） </a:t>
+            </a:r>
+            <a:r>
+              <a:rPr lang="en-US" altLang="zh-CN" dirty="0"/>
+              <a:t>/</a:t>
+            </a:r>
+            <a:r>
+              <a:rPr lang="en-US" altLang="zh-CN" dirty="0" err="1"/>
+              <a:t>etc</a:t>
+            </a:r>
+            <a:r>
+              <a:rPr lang="en-US" altLang="zh-CN" dirty="0"/>
+              <a:t>/</a:t>
+            </a:r>
+            <a:r>
+              <a:rPr lang="en-US" altLang="zh-CN" dirty="0" err="1"/>
+              <a:t>skel</a:t>
+            </a:r>
+            <a:r>
+              <a:rPr lang="en-US" altLang="zh-CN" dirty="0"/>
+              <a:t>/ </a:t>
+            </a:r>
+            <a:r>
+              <a:rPr lang="zh-CN" altLang="en-US" dirty="0"/>
+              <a:t>的内容填充用户主目录 </a:t>
             </a:r>
           </a:p>
           <a:p>
-            <a:pPr lvl="2"/>
-            <a:r>
-              <a:rPr lang="en-US" altLang="zh-CN"/>
-              <a:t># passwd user1</a:t>
-            </a:r>
-          </a:p>
-          <a:p>
-            <a:endParaRPr lang="zh-CN" altLang="en-US" dirty="0"/>
+            <a:r>
+              <a:rPr lang="zh-CN" altLang="en-US" dirty="0"/>
+              <a:t>设置权限 </a:t>
+            </a:r>
           </a:p>
         </p:txBody>
       </p:sp>
     </p:spTree>
     <p:extLst>
       <p:ext uri="{BB962C8B-B14F-4D97-AF65-F5344CB8AC3E}">
-        <p14:creationId xmlns:p14="http://schemas.microsoft.com/office/powerpoint/2010/main" val="3173074248"/>
+        <p14:creationId xmlns:p14="http://schemas.microsoft.com/office/powerpoint/2010/main" val="3891848301"/>
       </p:ext>
     </p:extLst>
   </p:cSld>
@@ -25011,7 +25498,7 @@
           <a:p>
             <a:r>
               <a:rPr lang="zh-CN" altLang="en-US"/>
-              <a:t>添加用户账号举例</a:t>
+              <a:t>设置用户口令</a:t>
             </a:r>
             <a:endParaRPr lang="zh-CN" altLang="en-US" dirty="0"/>
           </a:p>
@@ -25033,151 +25520,71 @@
           <a:lstStyle/>
           <a:p>
             <a:r>
-              <a:rPr lang="zh-CN" altLang="en-GB" dirty="0"/>
-              <a:t>例一：</a:t>
+              <a:rPr lang="zh-CN" altLang="en-US"/>
+              <a:t>命令格式</a:t>
             </a:r>
           </a:p>
           <a:p>
             <a:pPr lvl="1"/>
             <a:r>
-              <a:rPr lang="en-GB" altLang="zh-CN" dirty="0"/>
-              <a:t># </a:t>
-            </a:r>
-            <a:r>
-              <a:rPr lang="en-GB" altLang="zh-CN" dirty="0" err="1"/>
-              <a:t>useradd</a:t>
-            </a:r>
-            <a:r>
-              <a:rPr lang="en-GB" altLang="zh-CN" dirty="0"/>
-              <a:t> </a:t>
-            </a:r>
-            <a:r>
-              <a:rPr lang="en-US" altLang="zh-CN" dirty="0"/>
-              <a:t>-</a:t>
-            </a:r>
-            <a:r>
-              <a:rPr lang="en-GB" altLang="zh-CN" dirty="0"/>
-              <a:t>g group1 </a:t>
-            </a:r>
-            <a:r>
-              <a:rPr lang="en-US" altLang="zh-CN" dirty="0"/>
-              <a:t>-</a:t>
-            </a:r>
-            <a:r>
-              <a:rPr lang="en-GB" altLang="zh-CN" dirty="0"/>
-              <a:t>e 12/31/2011 user1</a:t>
+              <a:rPr lang="en-US" altLang="zh-CN"/>
+              <a:t>passwd [&lt;</a:t>
+            </a:r>
+            <a:r>
+              <a:rPr lang="zh-CN" altLang="en-US"/>
+              <a:t>用户账号名</a:t>
+            </a:r>
+            <a:r>
+              <a:rPr lang="en-US" altLang="zh-CN"/>
+              <a:t>&gt;]</a:t>
+            </a:r>
+          </a:p>
+          <a:p>
+            <a:r>
+              <a:rPr lang="zh-CN" altLang="en-US"/>
+              <a:t>使用举例</a:t>
             </a:r>
           </a:p>
           <a:p>
             <a:pPr lvl="1"/>
             <a:r>
-              <a:rPr lang="en-GB" altLang="zh-CN" dirty="0"/>
-              <a:t># </a:t>
-            </a:r>
-            <a:r>
-              <a:rPr lang="en-GB" altLang="zh-CN" dirty="0" err="1"/>
-              <a:t>passwd</a:t>
-            </a:r>
-            <a:r>
-              <a:rPr lang="en-GB" altLang="zh-CN" dirty="0"/>
-              <a:t> user1</a:t>
+              <a:rPr lang="zh-CN" altLang="en-US"/>
+              <a:t>设置用户自己的口令</a:t>
             </a:r>
           </a:p>
           <a:p>
-            <a:r>
-              <a:rPr lang="zh-CN" altLang="en-US" dirty="0"/>
-              <a:t>例二：</a:t>
+            <a:pPr lvl="2"/>
+            <a:r>
+              <a:rPr lang="en-US" altLang="zh-CN"/>
+              <a:t>$ passwd</a:t>
+            </a:r>
+          </a:p>
+          <a:p>
+            <a:pPr lvl="2"/>
+            <a:r>
+              <a:rPr lang="en-US" altLang="zh-CN"/>
+              <a:t># passwd</a:t>
             </a:r>
           </a:p>
           <a:p>
             <a:pPr lvl="1"/>
             <a:r>
-              <a:rPr lang="en-US" altLang="zh-CN" dirty="0"/>
-              <a:t># </a:t>
-            </a:r>
-            <a:r>
-              <a:rPr lang="en-US" altLang="zh-CN" dirty="0" err="1"/>
-              <a:t>useradd</a:t>
-            </a:r>
-            <a:r>
-              <a:rPr lang="en-US" altLang="zh-CN" dirty="0"/>
-              <a:t> -G staff tom </a:t>
+              <a:rPr lang="en-US" altLang="zh-CN"/>
+              <a:t>root </a:t>
+            </a:r>
+            <a:r>
+              <a:rPr lang="zh-CN" altLang="en-US"/>
+              <a:t>用户设置他人的口令</a:t>
             </a:r>
           </a:p>
           <a:p>
-            <a:pPr lvl="1"/>
-            <a:r>
-              <a:rPr lang="en-GB" altLang="zh-CN" dirty="0"/>
-              <a:t># </a:t>
-            </a:r>
-            <a:r>
-              <a:rPr lang="en-GB" altLang="zh-CN" dirty="0" err="1"/>
-              <a:t>passwd</a:t>
-            </a:r>
-            <a:r>
-              <a:rPr lang="en-GB" altLang="zh-CN" dirty="0"/>
-              <a:t> </a:t>
-            </a:r>
-            <a:r>
-              <a:rPr lang="en-US" altLang="zh-CN" dirty="0"/>
-              <a:t>tom</a:t>
+            <a:pPr lvl="2"/>
+            <a:r>
+              <a:rPr lang="en-US" altLang="zh-CN"/>
+              <a:t># passwd user1</a:t>
             </a:r>
           </a:p>
           <a:p>
-            <a:r>
-              <a:rPr lang="zh-CN" altLang="en-US" dirty="0"/>
-              <a:t>例三：</a:t>
-            </a:r>
-          </a:p>
-          <a:p>
-            <a:pPr lvl="1"/>
-            <a:r>
-              <a:rPr lang="en-US" altLang="zh-CN" dirty="0"/>
-              <a:t># </a:t>
-            </a:r>
-            <a:r>
-              <a:rPr lang="en-US" altLang="zh-CN" dirty="0" err="1"/>
-              <a:t>useradd</a:t>
-            </a:r>
-            <a:r>
-              <a:rPr lang="en-US" altLang="zh-CN" dirty="0"/>
-              <a:t> -G </a:t>
-            </a:r>
-            <a:r>
-              <a:rPr lang="en-US" altLang="zh-CN" dirty="0" err="1"/>
-              <a:t>ftpgrp</a:t>
-            </a:r>
-            <a:r>
-              <a:rPr lang="en-US" altLang="zh-CN" dirty="0"/>
-              <a:t> -d /</a:t>
-            </a:r>
-            <a:r>
-              <a:rPr lang="en-US" altLang="zh-CN" dirty="0" err="1"/>
-              <a:t>var</a:t>
-            </a:r>
-            <a:r>
-              <a:rPr lang="en-US" altLang="zh-CN" dirty="0"/>
-              <a:t>/ftp2 -M ftp1</a:t>
-            </a:r>
-          </a:p>
-          <a:p>
-            <a:pPr lvl="1"/>
-            <a:r>
-              <a:rPr lang="en-US" altLang="zh-CN" dirty="0"/>
-              <a:t># </a:t>
-            </a:r>
-            <a:r>
-              <a:rPr lang="en-GB" altLang="zh-CN" dirty="0" err="1"/>
-              <a:t>passwd</a:t>
-            </a:r>
-            <a:r>
-              <a:rPr lang="en-GB" altLang="zh-CN" dirty="0"/>
-              <a:t> </a:t>
-            </a:r>
-            <a:r>
-              <a:rPr lang="en-US" altLang="zh-CN" dirty="0"/>
-              <a:t>ftp1</a:t>
-            </a:r>
             <a:endParaRPr lang="zh-CN" altLang="en-US" dirty="0"/>
           </a:p>
         </p:txBody>
@@ -25185,7 +25592,7 @@
     </p:spTree>
     <p:extLst>
       <p:ext uri="{BB962C8B-B14F-4D97-AF65-F5344CB8AC3E}">
-        <p14:creationId xmlns:p14="http://schemas.microsoft.com/office/powerpoint/2010/main" val="661004447"/>
+        <p14:creationId xmlns:p14="http://schemas.microsoft.com/office/powerpoint/2010/main" val="3173074248"/>
       </p:ext>
     </p:extLst>
   </p:cSld>
@@ -25228,12 +25635,8 @@
           <a:lstStyle/>
           <a:p>
             <a:r>
-              <a:rPr lang="en-US" altLang="zh-CN"/>
-              <a:t>useradd </a:t>
-            </a:r>
-            <a:r>
               <a:rPr lang="zh-CN" altLang="en-US"/>
-              <a:t>命令参数的默认值</a:t>
+              <a:t>添加用户账号举例</a:t>
             </a:r>
             <a:endParaRPr lang="zh-CN" altLang="en-US" dirty="0"/>
           </a:p>
@@ -25255,80 +25658,150 @@
           <a:lstStyle/>
           <a:p>
             <a:r>
-              <a:rPr lang="zh-CN" altLang="en-US"/>
-              <a:t>显示 </a:t>
-            </a:r>
-            <a:r>
-              <a:rPr lang="en-US" altLang="zh-CN"/>
-              <a:t>useradd </a:t>
-            </a:r>
-            <a:r>
-              <a:rPr lang="zh-CN" altLang="en-US"/>
-              <a:t>命令参数的默认值 </a:t>
+              <a:rPr lang="zh-CN" altLang="en-GB" dirty="0"/>
+              <a:t>例一：</a:t>
             </a:r>
           </a:p>
           <a:p>
             <a:pPr lvl="1"/>
             <a:r>
-              <a:rPr lang="en-US" altLang="zh-CN"/>
-              <a:t>useradd -D </a:t>
+              <a:rPr lang="en-GB" altLang="zh-CN" dirty="0"/>
+              <a:t># </a:t>
+            </a:r>
+            <a:r>
+              <a:rPr lang="en-GB" altLang="zh-CN" dirty="0" err="1"/>
+              <a:t>useradd</a:t>
+            </a:r>
+            <a:r>
+              <a:rPr lang="en-GB" altLang="zh-CN" dirty="0"/>
+              <a:t> </a:t>
+            </a:r>
+            <a:r>
+              <a:rPr lang="en-US" altLang="zh-CN" dirty="0"/>
+              <a:t>-</a:t>
+            </a:r>
+            <a:r>
+              <a:rPr lang="en-GB" altLang="zh-CN" dirty="0"/>
+              <a:t>g group1 </a:t>
+            </a:r>
+            <a:r>
+              <a:rPr lang="en-US" altLang="zh-CN" dirty="0"/>
+              <a:t>-</a:t>
+            </a:r>
+            <a:r>
+              <a:rPr lang="en-GB" altLang="zh-CN" dirty="0"/>
+              <a:t>e 12/31/2011 user1</a:t>
             </a:r>
           </a:p>
           <a:p>
             <a:pPr lvl="1"/>
             <a:r>
-              <a:rPr lang="zh-CN" altLang="en-US"/>
-              <a:t>从文件 </a:t>
-            </a:r>
-            <a:r>
-              <a:rPr lang="en-US" altLang="zh-CN"/>
-              <a:t>/etc/default/useradd </a:t>
-            </a:r>
-            <a:r>
-              <a:rPr lang="zh-CN" altLang="en-US"/>
-              <a:t>中读取 </a:t>
+              <a:rPr lang="en-GB" altLang="zh-CN" dirty="0"/>
+              <a:t># </a:t>
+            </a:r>
+            <a:r>
+              <a:rPr lang="en-GB" altLang="zh-CN" dirty="0" err="1"/>
+              <a:t>passwd</a:t>
+            </a:r>
+            <a:r>
+              <a:rPr lang="en-GB" altLang="zh-CN" dirty="0"/>
+              <a:t> user1</a:t>
             </a:r>
           </a:p>
           <a:p>
             <a:r>
-              <a:rPr lang="zh-CN" altLang="en-US"/>
-              <a:t>更改 </a:t>
-            </a:r>
-            <a:r>
-              <a:rPr lang="en-US" altLang="zh-CN"/>
-              <a:t>useradd </a:t>
-            </a:r>
-            <a:r>
-              <a:rPr lang="zh-CN" altLang="en-US"/>
-              <a:t>命令参数的默认值 </a:t>
+              <a:rPr lang="zh-CN" altLang="en-US" dirty="0"/>
+              <a:t>例二：</a:t>
             </a:r>
           </a:p>
           <a:p>
             <a:pPr lvl="1"/>
             <a:r>
-              <a:rPr lang="zh-CN" altLang="en-US"/>
-              <a:t>格式 </a:t>
+              <a:rPr lang="en-US" altLang="zh-CN" dirty="0"/>
+              <a:t># </a:t>
+            </a:r>
+            <a:r>
+              <a:rPr lang="en-US" altLang="zh-CN" dirty="0" err="1"/>
+              <a:t>useradd</a:t>
+            </a:r>
+            <a:r>
+              <a:rPr lang="en-US" altLang="zh-CN" dirty="0"/>
+              <a:t> -G staff tom </a:t>
             </a:r>
           </a:p>
           <a:p>
             <a:pPr lvl="1"/>
             <a:r>
-              <a:rPr lang="en-US" altLang="zh-CN"/>
-              <a:t># useradd -D [-g group] [-b base] [-s shell]  [-e expire ] </a:t>
+              <a:rPr lang="en-GB" altLang="zh-CN" dirty="0"/>
+              <a:t># </a:t>
+            </a:r>
+            <a:r>
+              <a:rPr lang="en-GB" altLang="zh-CN" dirty="0" err="1"/>
+              <a:t>passwd</a:t>
+            </a:r>
+            <a:r>
+              <a:rPr lang="en-GB" altLang="zh-CN" dirty="0"/>
+              <a:t> </a:t>
+            </a:r>
+            <a:r>
+              <a:rPr lang="en-US" altLang="zh-CN" dirty="0"/>
+              <a:t>tom</a:t>
+            </a:r>
+          </a:p>
+          <a:p>
+            <a:r>
+              <a:rPr lang="zh-CN" altLang="en-US" dirty="0"/>
+              <a:t>例三：</a:t>
             </a:r>
           </a:p>
           <a:p>
             <a:pPr lvl="1"/>
             <a:r>
-              <a:rPr lang="zh-CN" altLang="en-US"/>
-              <a:t>举例 </a:t>
+              <a:rPr lang="en-US" altLang="zh-CN" dirty="0"/>
+              <a:t># </a:t>
+            </a:r>
+            <a:r>
+              <a:rPr lang="en-US" altLang="zh-CN" dirty="0" err="1"/>
+              <a:t>useradd</a:t>
+            </a:r>
+            <a:r>
+              <a:rPr lang="en-US" altLang="zh-CN" dirty="0"/>
+              <a:t> -G </a:t>
+            </a:r>
+            <a:r>
+              <a:rPr lang="en-US" altLang="zh-CN" dirty="0" err="1"/>
+              <a:t>ftpgrp</a:t>
+            </a:r>
+            <a:r>
+              <a:rPr lang="en-US" altLang="zh-CN" dirty="0"/>
+              <a:t> -d /</a:t>
+            </a:r>
+            <a:r>
+              <a:rPr lang="en-US" altLang="zh-CN" dirty="0" err="1"/>
+              <a:t>var</a:t>
+            </a:r>
+            <a:r>
+              <a:rPr lang="en-US" altLang="zh-CN" dirty="0"/>
+              <a:t>/ftp2 -M ftp1</a:t>
             </a:r>
           </a:p>
           <a:p>
             <a:pPr lvl="1"/>
             <a:r>
-              <a:rPr lang="en-US" altLang="zh-CN"/>
-              <a:t># useradd -D -s /bin/ksh</a:t>
+              <a:rPr lang="en-US" altLang="zh-CN" dirty="0"/>
+              <a:t># </a:t>
+            </a:r>
+            <a:r>
+              <a:rPr lang="en-GB" altLang="zh-CN" dirty="0" err="1"/>
+              <a:t>passwd</a:t>
+            </a:r>
+            <a:r>
+              <a:rPr lang="en-GB" altLang="zh-CN" dirty="0"/>
+              <a:t> </a:t>
+            </a:r>
+            <a:r>
+              <a:rPr lang="en-US" altLang="zh-CN" dirty="0"/>
+              <a:t>ftp1</a:t>
             </a:r>
             <a:endParaRPr lang="zh-CN" altLang="en-US" dirty="0"/>
           </a:p>
@@ -25337,7 +25810,7 @@
     </p:spTree>
     <p:extLst>
       <p:ext uri="{BB962C8B-B14F-4D97-AF65-F5344CB8AC3E}">
-        <p14:creationId xmlns:p14="http://schemas.microsoft.com/office/powerpoint/2010/main" val="2963611518"/>
+        <p14:creationId xmlns:p14="http://schemas.microsoft.com/office/powerpoint/2010/main" val="661004447"/>
       </p:ext>
     </p:extLst>
   </p:cSld>
@@ -25380,16 +25853,12 @@
           <a:lstStyle/>
           <a:p>
             <a:r>
+              <a:rPr lang="en-US" altLang="zh-CN"/>
+              <a:t>useradd </a:t>
+            </a:r>
+            <a:r>
               <a:rPr lang="zh-CN" altLang="en-US"/>
-              <a:t>修改用户账号（</a:t>
-            </a:r>
-            <a:r>
-              <a:rPr lang="en-US" altLang="zh-CN"/>
-              <a:t>usermod</a:t>
-            </a:r>
-            <a:r>
-              <a:rPr lang="zh-CN" altLang="en-US"/>
-              <a:t>）</a:t>
+              <a:t>命令参数的默认值</a:t>
             </a:r>
             <a:endParaRPr lang="zh-CN" altLang="en-US" dirty="0"/>
           </a:p>
@@ -25411,207 +25880,89 @@
           <a:lstStyle/>
           <a:p>
             <a:r>
-              <a:rPr lang="zh-CN" altLang="en-US" dirty="0"/>
-              <a:t>格式：</a:t>
+              <a:rPr lang="zh-CN" altLang="en-US"/>
+              <a:t>显示 </a:t>
+            </a:r>
+            <a:r>
+              <a:rPr lang="en-US" altLang="zh-CN"/>
+              <a:t>useradd </a:t>
+            </a:r>
+            <a:r>
+              <a:rPr lang="zh-CN" altLang="en-US"/>
+              <a:t>命令参数的默认值 </a:t>
             </a:r>
           </a:p>
           <a:p>
             <a:pPr lvl="1"/>
             <a:r>
-              <a:rPr lang="en-US" altLang="zh-CN" dirty="0"/>
-              <a:t># </a:t>
-            </a:r>
-            <a:r>
-              <a:rPr lang="en-US" altLang="zh-CN" dirty="0" err="1"/>
-              <a:t>usermod</a:t>
-            </a:r>
-            <a:r>
-              <a:rPr lang="en-US" altLang="zh-CN" dirty="0"/>
-              <a:t> [&lt;</a:t>
-            </a:r>
-            <a:r>
-              <a:rPr lang="zh-CN" altLang="en-US" dirty="0"/>
-              <a:t>选项</a:t>
-            </a:r>
-            <a:r>
-              <a:rPr lang="en-US" altLang="zh-CN" dirty="0"/>
-              <a:t>&gt;] &lt;</a:t>
-            </a:r>
-            <a:r>
-              <a:rPr lang="zh-CN" altLang="en-US" dirty="0"/>
-              <a:t>用户名</a:t>
-            </a:r>
-            <a:r>
-              <a:rPr lang="en-US" altLang="zh-CN" dirty="0"/>
-              <a:t>&gt;</a:t>
+              <a:rPr lang="en-US" altLang="zh-CN"/>
+              <a:t>useradd -D </a:t>
             </a:r>
           </a:p>
           <a:p>
             <a:pPr lvl="1"/>
             <a:r>
-              <a:rPr lang="zh-CN" altLang="en-US" dirty="0"/>
-              <a:t>选项与</a:t>
-            </a:r>
-            <a:r>
-              <a:rPr lang="en-US" altLang="zh-CN" dirty="0" err="1"/>
-              <a:t>useradd</a:t>
-            </a:r>
-            <a:r>
-              <a:rPr lang="zh-CN" altLang="en-US" dirty="0"/>
-              <a:t>命令基本相同</a:t>
+              <a:rPr lang="zh-CN" altLang="en-US"/>
+              <a:t>从文件 </a:t>
+            </a:r>
+            <a:r>
+              <a:rPr lang="en-US" altLang="zh-CN"/>
+              <a:t>/etc/default/useradd </a:t>
+            </a:r>
+            <a:r>
+              <a:rPr lang="zh-CN" altLang="en-US"/>
+              <a:t>中读取 </a:t>
             </a:r>
           </a:p>
           <a:p>
             <a:r>
-              <a:rPr lang="zh-CN" altLang="en-US" dirty="0"/>
-              <a:t>举例：</a:t>
+              <a:rPr lang="zh-CN" altLang="en-US"/>
+              <a:t>更改 </a:t>
+            </a:r>
+            <a:r>
+              <a:rPr lang="en-US" altLang="zh-CN"/>
+              <a:t>useradd </a:t>
+            </a:r>
+            <a:r>
+              <a:rPr lang="zh-CN" altLang="en-US"/>
+              <a:t>命令参数的默认值 </a:t>
             </a:r>
           </a:p>
           <a:p>
             <a:pPr lvl="1"/>
             <a:r>
-              <a:rPr lang="en-US" altLang="zh-CN" dirty="0"/>
-              <a:t># </a:t>
-            </a:r>
-            <a:r>
-              <a:rPr lang="en-US" altLang="zh-CN" dirty="0" err="1"/>
-              <a:t>usermod</a:t>
-            </a:r>
-            <a:r>
-              <a:rPr lang="en-US" altLang="zh-CN" dirty="0"/>
-              <a:t> -l user2 user1 </a:t>
-            </a:r>
-            <a:r>
-              <a:rPr lang="zh-CN" altLang="en-US" dirty="0"/>
-              <a:t>更改</a:t>
-            </a:r>
-            <a:r>
-              <a:rPr lang="en-US" altLang="zh-CN" dirty="0"/>
-              <a:t>user1</a:t>
-            </a:r>
-            <a:r>
-              <a:rPr lang="zh-CN" altLang="en-US" dirty="0"/>
-              <a:t>的用户名为</a:t>
-            </a:r>
-            <a:r>
-              <a:rPr lang="en-US" altLang="zh-CN" dirty="0"/>
-              <a:t>user2</a:t>
-            </a:r>
-            <a:endParaRPr lang="en-GB" altLang="zh-CN" dirty="0"/>
+              <a:rPr lang="zh-CN" altLang="en-US"/>
+              <a:t>格式 </a:t>
+            </a:r>
           </a:p>
           <a:p>
             <a:pPr lvl="1"/>
             <a:r>
-              <a:rPr lang="en-GB" altLang="zh-CN" dirty="0"/>
-              <a:t># </a:t>
-            </a:r>
-            <a:r>
-              <a:rPr lang="en-GB" altLang="zh-CN" dirty="0" err="1"/>
-              <a:t>usermod</a:t>
-            </a:r>
-            <a:r>
-              <a:rPr lang="en-GB" altLang="zh-CN" dirty="0"/>
-              <a:t> -G </a:t>
-            </a:r>
-            <a:r>
-              <a:rPr lang="en-GB" altLang="zh-CN" dirty="0" err="1"/>
-              <a:t>softgroup</a:t>
-            </a:r>
-            <a:r>
-              <a:rPr lang="en-GB" altLang="zh-CN" dirty="0"/>
-              <a:t> </a:t>
-            </a:r>
-            <a:r>
-              <a:rPr lang="en-US" altLang="zh-CN" dirty="0"/>
-              <a:t>user1</a:t>
-            </a:r>
-            <a:r>
-              <a:rPr lang="en-GB" altLang="zh-CN" dirty="0"/>
-              <a:t> </a:t>
-            </a:r>
-            <a:r>
-              <a:rPr lang="zh-CN" altLang="en-US" dirty="0"/>
-              <a:t>更改</a:t>
-            </a:r>
-            <a:r>
-              <a:rPr lang="en-US" altLang="zh-CN" dirty="0"/>
-              <a:t>user1</a:t>
-            </a:r>
-            <a:r>
-              <a:rPr lang="zh-CN" altLang="en-US" dirty="0"/>
-              <a:t>的附加组列表</a:t>
-            </a:r>
-            <a:endParaRPr lang="en-GB" altLang="zh-CN" dirty="0"/>
+              <a:rPr lang="en-US" altLang="zh-CN"/>
+              <a:t># useradd -D [-g group] [-b base] [-s shell]  [-e expire ] </a:t>
+            </a:r>
           </a:p>
           <a:p>
             <a:pPr lvl="1"/>
             <a:r>
-              <a:rPr lang="en-GB" altLang="zh-CN" dirty="0"/>
-              <a:t># </a:t>
-            </a:r>
-            <a:r>
-              <a:rPr lang="en-US" altLang="zh-CN" dirty="0" err="1"/>
-              <a:t>usermod</a:t>
-            </a:r>
-            <a:r>
-              <a:rPr lang="en-US" altLang="zh-CN" dirty="0"/>
-              <a:t> -d /home</a:t>
-            </a:r>
-            <a:r>
-              <a:rPr lang="zh-CN" altLang="en-US" dirty="0"/>
-              <a:t> </a:t>
-            </a:r>
-            <a:r>
-              <a:rPr lang="en-US" altLang="zh-CN" dirty="0"/>
-              <a:t>user1 </a:t>
-            </a:r>
-            <a:r>
-              <a:rPr lang="zh-CN" altLang="en-US" dirty="0"/>
-              <a:t>设置</a:t>
-            </a:r>
-            <a:r>
-              <a:rPr lang="en-US" altLang="zh-CN" dirty="0"/>
-              <a:t>user1</a:t>
-            </a:r>
-            <a:r>
-              <a:rPr lang="zh-CN" altLang="en-US" dirty="0"/>
-              <a:t>的新主目录</a:t>
-            </a:r>
-            <a:endParaRPr lang="en-GB" altLang="zh-CN" dirty="0"/>
+              <a:rPr lang="zh-CN" altLang="en-US"/>
+              <a:t>举例 </a:t>
+            </a:r>
           </a:p>
           <a:p>
             <a:pPr lvl="1"/>
             <a:r>
-              <a:rPr lang="en-GB" altLang="zh-CN" dirty="0"/>
-              <a:t># </a:t>
-            </a:r>
-            <a:r>
-              <a:rPr lang="en-US" altLang="zh-CN" dirty="0" err="1"/>
-              <a:t>usermod</a:t>
-            </a:r>
-            <a:r>
-              <a:rPr lang="en-US" altLang="zh-CN" dirty="0"/>
-              <a:t> -g group1 user1 </a:t>
-            </a:r>
-            <a:r>
-              <a:rPr lang="zh-CN" altLang="en-US" dirty="0"/>
-              <a:t>更改</a:t>
-            </a:r>
-            <a:r>
-              <a:rPr lang="en-US" altLang="zh-CN" dirty="0"/>
-              <a:t>user1</a:t>
-            </a:r>
-            <a:r>
-              <a:rPr lang="zh-CN" altLang="en-US" dirty="0"/>
-              <a:t>的所属组</a:t>
-            </a:r>
+              <a:rPr lang="en-US" altLang="zh-CN"/>
+              <a:t># useradd -D -s /bin/ksh</a:t>
+            </a:r>
+            <a:endParaRPr lang="zh-CN" altLang="en-US" dirty="0"/>
           </a:p>
         </p:txBody>
       </p:sp>
     </p:spTree>
     <p:extLst>
       <p:ext uri="{BB962C8B-B14F-4D97-AF65-F5344CB8AC3E}">
-        <p14:creationId xmlns:p14="http://schemas.microsoft.com/office/powerpoint/2010/main" val="922113928"/>
+        <p14:creationId xmlns:p14="http://schemas.microsoft.com/office/powerpoint/2010/main" val="2963611518"/>
       </p:ext>
     </p:extLst>
   </p:cSld>
@@ -25655,11 +26006,11 @@
           <a:p>
             <a:r>
               <a:rPr lang="zh-CN" altLang="en-US"/>
-              <a:t>删除用户账号（</a:t>
+              <a:t>修改用户账号（</a:t>
             </a:r>
             <a:r>
               <a:rPr lang="en-US" altLang="zh-CN"/>
-              <a:t>userdel</a:t>
+              <a:t>usermod</a:t>
             </a:r>
             <a:r>
               <a:rPr lang="zh-CN" altLang="en-US"/>
@@ -25685,73 +26036,207 @@
           <a:lstStyle/>
           <a:p>
             <a:r>
-              <a:rPr lang="zh-CN" altLang="en-US"/>
+              <a:rPr lang="zh-CN" altLang="en-US" dirty="0"/>
               <a:t>格式：</a:t>
             </a:r>
           </a:p>
           <a:p>
             <a:pPr lvl="1"/>
             <a:r>
-              <a:rPr lang="en-US" altLang="zh-CN"/>
-              <a:t># userdel [&lt;-r&gt;] &lt;</a:t>
-            </a:r>
-            <a:r>
-              <a:rPr lang="zh-CN" altLang="en-US"/>
+              <a:rPr lang="en-US" altLang="zh-CN" dirty="0"/>
+              <a:t># </a:t>
+            </a:r>
+            <a:r>
+              <a:rPr lang="en-US" altLang="zh-CN" dirty="0" err="1"/>
+              <a:t>usermod</a:t>
+            </a:r>
+            <a:r>
+              <a:rPr lang="en-US" altLang="zh-CN" dirty="0"/>
+              <a:t> [&lt;</a:t>
+            </a:r>
+            <a:r>
+              <a:rPr lang="zh-CN" altLang="en-US" dirty="0"/>
+              <a:t>选项</a:t>
+            </a:r>
+            <a:r>
+              <a:rPr lang="en-US" altLang="zh-CN" dirty="0"/>
+              <a:t>&gt;] &lt;</a:t>
+            </a:r>
+            <a:r>
+              <a:rPr lang="zh-CN" altLang="en-US" dirty="0"/>
               <a:t>用户名</a:t>
             </a:r>
             <a:r>
-              <a:rPr lang="en-US" altLang="zh-CN"/>
+              <a:rPr lang="en-US" altLang="zh-CN" dirty="0"/>
               <a:t>&gt;</a:t>
             </a:r>
           </a:p>
           <a:p>
             <a:pPr lvl="1"/>
             <a:r>
-              <a:rPr lang="zh-CN" altLang="en-US"/>
-              <a:t>选项</a:t>
-            </a:r>
-            <a:r>
-              <a:rPr lang="en-US" altLang="zh-CN"/>
-              <a:t>-r</a:t>
-            </a:r>
-            <a:r>
-              <a:rPr lang="zh-CN" altLang="en-US"/>
-              <a:t>用于删除用户的宿主目录</a:t>
+              <a:rPr lang="zh-CN" altLang="en-US" dirty="0"/>
+              <a:t>选项与</a:t>
+            </a:r>
+            <a:r>
+              <a:rPr lang="en-US" altLang="zh-CN" dirty="0" err="1"/>
+              <a:t>useradd</a:t>
+            </a:r>
+            <a:r>
+              <a:rPr lang="zh-CN" altLang="en-US" dirty="0"/>
+              <a:t>命令基本相同</a:t>
             </a:r>
           </a:p>
           <a:p>
-            <a:endParaRPr lang="zh-CN" altLang="en-US"/>
-          </a:p>
-          <a:p>
-            <a:r>
-              <a:rPr lang="zh-CN" altLang="en-US"/>
+            <a:r>
+              <a:rPr lang="zh-CN" altLang="en-US" dirty="0"/>
               <a:t>举例：</a:t>
             </a:r>
           </a:p>
           <a:p>
             <a:pPr lvl="1"/>
             <a:r>
-              <a:rPr lang="en-US" altLang="zh-CN"/>
-              <a:t># userdel ftp1 </a:t>
-            </a:r>
-            <a:endParaRPr lang="en-GB" altLang="zh-CN"/>
+              <a:rPr lang="en-US" altLang="zh-CN" dirty="0"/>
+              <a:t># </a:t>
+            </a:r>
+            <a:r>
+              <a:rPr lang="en-US" altLang="zh-CN" dirty="0" err="1"/>
+              <a:t>usermod</a:t>
+            </a:r>
+            <a:r>
+              <a:rPr lang="en-US" altLang="zh-CN" dirty="0"/>
+              <a:t> -l user2 user1 </a:t>
+            </a:r>
+            <a:r>
+              <a:rPr lang="zh-CN" altLang="en-US" dirty="0"/>
+              <a:t>更改</a:t>
+            </a:r>
+            <a:r>
+              <a:rPr lang="en-US" altLang="zh-CN" dirty="0"/>
+              <a:t>user1</a:t>
+            </a:r>
+            <a:r>
+              <a:rPr lang="zh-CN" altLang="en-US" dirty="0"/>
+              <a:t>的用户名为</a:t>
+            </a:r>
+            <a:r>
+              <a:rPr lang="en-US" altLang="zh-CN" dirty="0"/>
+              <a:t>user2</a:t>
+            </a:r>
+            <a:endParaRPr lang="en-GB" altLang="zh-CN" dirty="0"/>
           </a:p>
           <a:p>
             <a:pPr lvl="1"/>
             <a:r>
-              <a:rPr lang="en-GB" altLang="zh-CN"/>
-              <a:t># userdel –r user1</a:t>
-            </a:r>
+              <a:rPr lang="en-GB" altLang="zh-CN" dirty="0"/>
+              <a:t># </a:t>
+            </a:r>
+            <a:r>
+              <a:rPr lang="en-GB" altLang="zh-CN" dirty="0" err="1"/>
+              <a:t>usermod</a:t>
+            </a:r>
+            <a:r>
+              <a:rPr lang="en-GB" altLang="zh-CN" dirty="0"/>
+              <a:t> -G </a:t>
+            </a:r>
+            <a:r>
+              <a:rPr lang="en-GB" altLang="zh-CN" dirty="0" err="1"/>
+              <a:t>softgroup</a:t>
+            </a:r>
+            <a:r>
+              <a:rPr lang="en-GB" altLang="zh-CN" dirty="0"/>
+              <a:t> </a:t>
+            </a:r>
+            <a:r>
+              <a:rPr lang="en-US" altLang="zh-CN" dirty="0"/>
+              <a:t>user1</a:t>
+            </a:r>
+            <a:r>
+              <a:rPr lang="en-GB" altLang="zh-CN" dirty="0"/>
+              <a:t> </a:t>
+            </a:r>
+            <a:r>
+              <a:rPr lang="zh-CN" altLang="en-US" dirty="0"/>
+              <a:t>更改</a:t>
+            </a:r>
+            <a:r>
+              <a:rPr lang="en-US" altLang="zh-CN" dirty="0"/>
+              <a:t>user1</a:t>
+            </a:r>
+            <a:r>
+              <a:rPr lang="zh-CN" altLang="en-US" dirty="0"/>
+              <a:t>的附加组列表</a:t>
+            </a:r>
+            <a:endParaRPr lang="en-GB" altLang="zh-CN" dirty="0"/>
           </a:p>
           <a:p>
-            <a:endParaRPr lang="zh-CN" altLang="en-US" dirty="0"/>
+            <a:pPr lvl="1"/>
+            <a:r>
+              <a:rPr lang="en-GB" altLang="zh-CN" dirty="0"/>
+              <a:t># </a:t>
+            </a:r>
+            <a:r>
+              <a:rPr lang="en-US" altLang="zh-CN" dirty="0" err="1"/>
+              <a:t>usermod</a:t>
+            </a:r>
+            <a:r>
+              <a:rPr lang="en-US" altLang="zh-CN" dirty="0"/>
+              <a:t> -d /home</a:t>
+            </a:r>
+            <a:r>
+              <a:rPr lang="zh-CN" altLang="en-US" dirty="0"/>
+              <a:t> </a:t>
+            </a:r>
+            <a:r>
+              <a:rPr lang="en-US" altLang="zh-CN" dirty="0"/>
+              <a:t>user1 </a:t>
+            </a:r>
+            <a:r>
+              <a:rPr lang="zh-CN" altLang="en-US" dirty="0"/>
+              <a:t>设置</a:t>
+            </a:r>
+            <a:r>
+              <a:rPr lang="en-US" altLang="zh-CN" dirty="0"/>
+              <a:t>user1</a:t>
+            </a:r>
+            <a:r>
+              <a:rPr lang="zh-CN" altLang="en-US" dirty="0"/>
+              <a:t>的新主目录</a:t>
+            </a:r>
+            <a:endParaRPr lang="en-GB" altLang="zh-CN" dirty="0"/>
+          </a:p>
+          <a:p>
+            <a:pPr lvl="1"/>
+            <a:r>
+              <a:rPr lang="en-GB" altLang="zh-CN" dirty="0"/>
+              <a:t># </a:t>
+            </a:r>
+            <a:r>
+              <a:rPr lang="en-US" altLang="zh-CN" dirty="0" err="1"/>
+              <a:t>usermod</a:t>
+            </a:r>
+            <a:r>
+              <a:rPr lang="en-US" altLang="zh-CN" dirty="0"/>
+              <a:t> -g group1 user1 </a:t>
+            </a:r>
+            <a:r>
+              <a:rPr lang="zh-CN" altLang="en-US" dirty="0"/>
+              <a:t>更改</a:t>
+            </a:r>
+            <a:r>
+              <a:rPr lang="en-US" altLang="zh-CN" dirty="0"/>
+              <a:t>user1</a:t>
+            </a:r>
+            <a:r>
+              <a:rPr lang="zh-CN" altLang="en-US" dirty="0"/>
+              <a:t>的所属组</a:t>
+            </a:r>
           </a:p>
         </p:txBody>
       </p:sp>
     </p:spTree>
     <p:extLst>
       <p:ext uri="{BB962C8B-B14F-4D97-AF65-F5344CB8AC3E}">
-        <p14:creationId xmlns:p14="http://schemas.microsoft.com/office/powerpoint/2010/main" val="374202393"/>
+        <p14:creationId xmlns:p14="http://schemas.microsoft.com/office/powerpoint/2010/main" val="922113928"/>
       </p:ext>
     </p:extLst>
   </p:cSld>
@@ -25795,11 +26280,11 @@
           <a:p>
             <a:r>
               <a:rPr lang="zh-CN" altLang="en-US"/>
-              <a:t>添加组账号（ </a:t>
+              <a:t>删除用户账号（</a:t>
             </a:r>
             <a:r>
               <a:rPr lang="en-US" altLang="zh-CN"/>
-              <a:t>groupadd </a:t>
+              <a:t>userdel</a:t>
             </a:r>
             <a:r>
               <a:rPr lang="zh-CN" altLang="en-US"/>
@@ -25826,43 +26311,29 @@
           <a:p>
             <a:r>
               <a:rPr lang="zh-CN" altLang="en-US"/>
-              <a:t>格式</a:t>
+              <a:t>格式：</a:t>
             </a:r>
           </a:p>
           <a:p>
             <a:pPr lvl="1"/>
             <a:r>
               <a:rPr lang="en-US" altLang="zh-CN"/>
-              <a:t># groupadd [&lt;</a:t>
+              <a:t># userdel [&lt;-r&gt;] &lt;</a:t>
             </a:r>
             <a:r>
               <a:rPr lang="zh-CN" altLang="en-US"/>
-              <a:t>参数</a:t>
-            </a:r>
-            <a:r>
-              <a:rPr lang="en-US" altLang="zh-CN"/>
-              <a:t>&gt;] &lt;</a:t>
-            </a:r>
-            <a:r>
-              <a:rPr lang="zh-CN" altLang="en-US"/>
-              <a:t>组账号名</a:t>
+              <a:t>用户名</a:t>
             </a:r>
             <a:r>
               <a:rPr lang="en-US" altLang="zh-CN"/>
               <a:t>&gt;</a:t>
-            </a:r>
-          </a:p>
-          <a:p>
-            <a:r>
-              <a:rPr lang="zh-CN" altLang="en-US"/>
-              <a:t>常用参数</a:t>
             </a:r>
           </a:p>
           <a:p>
             <a:pPr lvl="1"/>
             <a:r>
               <a:rPr lang="zh-CN" altLang="en-US"/>
-              <a:t>参数</a:t>
+              <a:t>选项</a:t>
             </a:r>
             <a:r>
               <a:rPr lang="en-US" altLang="zh-CN"/>
@@ -25870,78 +26341,34 @@
             </a:r>
             <a:r>
               <a:rPr lang="zh-CN" altLang="en-US"/>
-              <a:t>用于创建系统组账号（</a:t>
-            </a:r>
-            <a:r>
-              <a:rPr lang="en-US" altLang="zh-CN"/>
-              <a:t>GID</a:t>
-            </a:r>
+              <a:t>用于删除用户的宿主目录</a:t>
+            </a:r>
+          </a:p>
+          <a:p>
+            <a:endParaRPr lang="zh-CN" altLang="en-US"/>
+          </a:p>
+          <a:p>
             <a:r>
               <a:rPr lang="zh-CN" altLang="en-US"/>
-              <a:t>小于</a:t>
-            </a:r>
-            <a:r>
-              <a:rPr lang="en-US" altLang="zh-CN"/>
-              <a:t>500 </a:t>
-            </a:r>
-            <a:r>
-              <a:rPr lang="zh-CN" altLang="en-US"/>
-              <a:t>）</a:t>
+              <a:t>举例：</a:t>
             </a:r>
           </a:p>
           <a:p>
             <a:pPr lvl="1"/>
             <a:r>
-              <a:rPr lang="zh-CN" altLang="en-US"/>
-              <a:t>参数</a:t>
-            </a:r>
-            <a:r>
               <a:rPr lang="en-US" altLang="zh-CN"/>
-              <a:t>-g</a:t>
-            </a:r>
-            <a:r>
-              <a:rPr lang="zh-CN" altLang="en-US"/>
-              <a:t>用于指定</a:t>
-            </a:r>
-            <a:r>
-              <a:rPr lang="en-US" altLang="zh-CN"/>
-              <a:t>GID</a:t>
-            </a:r>
-          </a:p>
-          <a:p>
-            <a:r>
-              <a:rPr lang="zh-CN" altLang="en-US"/>
-              <a:t>举例</a:t>
-            </a:r>
+              <a:t># userdel ftp1 </a:t>
+            </a:r>
+            <a:endParaRPr lang="en-GB" altLang="zh-CN"/>
           </a:p>
           <a:p>
             <a:pPr lvl="1"/>
             <a:r>
-              <a:rPr lang="en-US" altLang="zh-CN"/>
-              <a:t># groupadd mygroup </a:t>
+              <a:rPr lang="en-GB" altLang="zh-CN"/>
+              <a:t># userdel –r user1</a:t>
             </a:r>
           </a:p>
           <a:p>
-            <a:pPr lvl="1"/>
-            <a:r>
-              <a:rPr lang="en-US" altLang="zh-CN"/>
-              <a:t># groupadd -r sysgroup</a:t>
-            </a:r>
-          </a:p>
-          <a:p>
-            <a:pPr lvl="1"/>
-            <a:r>
-              <a:rPr lang="en-GB" altLang="zh-CN"/>
-              <a:t># groupadd </a:t>
-            </a:r>
-            <a:r>
-              <a:rPr lang="en-US" altLang="zh-CN"/>
-              <a:t>-</a:t>
-            </a:r>
-            <a:r>
-              <a:rPr lang="en-GB" altLang="zh-CN"/>
-              <a:t>g 888 group2</a:t>
-            </a:r>
             <a:endParaRPr lang="zh-CN" altLang="en-US" dirty="0"/>
           </a:p>
         </p:txBody>
@@ -25949,7 +26376,7 @@
     </p:spTree>
     <p:extLst>
       <p:ext uri="{BB962C8B-B14F-4D97-AF65-F5344CB8AC3E}">
-        <p14:creationId xmlns:p14="http://schemas.microsoft.com/office/powerpoint/2010/main" val="2030033634"/>
+        <p14:creationId xmlns:p14="http://schemas.microsoft.com/office/powerpoint/2010/main" val="374202393"/>
       </p:ext>
     </p:extLst>
   </p:cSld>
@@ -25993,11 +26420,11 @@
           <a:p>
             <a:r>
               <a:rPr lang="zh-CN" altLang="en-US"/>
-              <a:t>修改组账号（ </a:t>
+              <a:t>添加组账号（ </a:t>
             </a:r>
             <a:r>
               <a:rPr lang="en-US" altLang="zh-CN"/>
-              <a:t>groupmod </a:t>
+              <a:t>groupadd </a:t>
             </a:r>
             <a:r>
               <a:rPr lang="zh-CN" altLang="en-US"/>
@@ -26031,7 +26458,7 @@
             <a:pPr lvl="1"/>
             <a:r>
               <a:rPr lang="en-US" altLang="zh-CN"/>
-              <a:t># groupmod [&lt;</a:t>
+              <a:t># groupadd [&lt;</a:t>
             </a:r>
             <a:r>
               <a:rPr lang="zh-CN" altLang="en-US"/>
@@ -26064,19 +26491,27 @@
             </a:r>
             <a:r>
               <a:rPr lang="en-US" altLang="zh-CN"/>
-              <a:t>-g</a:t>
+              <a:t>-r</a:t>
             </a:r>
             <a:r>
               <a:rPr lang="zh-CN" altLang="en-US"/>
-              <a:t>改变组账号的</a:t>
+              <a:t>用于创建系统组账号（</a:t>
             </a:r>
             <a:r>
               <a:rPr lang="en-US" altLang="zh-CN"/>
-              <a:t>GID </a:t>
+              <a:t>GID</a:t>
             </a:r>
             <a:r>
               <a:rPr lang="zh-CN" altLang="en-US"/>
-              <a:t>，组账号名保持不变。 </a:t>
+              <a:t>小于</a:t>
+            </a:r>
+            <a:r>
+              <a:rPr lang="en-US" altLang="zh-CN"/>
+              <a:t>500 </a:t>
+            </a:r>
+            <a:r>
+              <a:rPr lang="zh-CN" altLang="en-US"/>
+              <a:t>）</a:t>
             </a:r>
           </a:p>
           <a:p>
@@ -26087,11 +26522,15 @@
             </a:r>
             <a:r>
               <a:rPr lang="en-US" altLang="zh-CN"/>
-              <a:t>-n</a:t>
+              <a:t>-g</a:t>
             </a:r>
             <a:r>
               <a:rPr lang="zh-CN" altLang="en-US"/>
-              <a:t>改变组账号名 。</a:t>
+              <a:t>用于指定</a:t>
+            </a:r>
+            <a:r>
+              <a:rPr lang="en-US" altLang="zh-CN"/>
+              <a:t>GID</a:t>
             </a:r>
           </a:p>
           <a:p>
@@ -26104,21 +26543,30 @@
             <a:pPr lvl="1"/>
             <a:r>
               <a:rPr lang="en-US" altLang="zh-CN"/>
-              <a:t># groupmod -g 503 mygroup </a:t>
+              <a:t># groupadd mygroup </a:t>
             </a:r>
           </a:p>
           <a:p>
             <a:pPr lvl="1"/>
             <a:r>
-              <a:rPr lang="en-GB" altLang="zh-CN"/>
-              <a:t># groupmod –n </a:t>
-            </a:r>
-            <a:r>
               <a:rPr lang="en-US" altLang="zh-CN"/>
-              <a:t>newgroup mygroup </a:t>
+              <a:t># groupadd -r sysgroup</a:t>
             </a:r>
           </a:p>
           <a:p>
+            <a:pPr lvl="1"/>
+            <a:r>
+              <a:rPr lang="en-GB" altLang="zh-CN"/>
+              <a:t># groupadd </a:t>
+            </a:r>
+            <a:r>
+              <a:rPr lang="en-US" altLang="zh-CN"/>
+              <a:t>-</a:t>
+            </a:r>
+            <a:r>
+              <a:rPr lang="en-GB" altLang="zh-CN"/>
+              <a:t>g 888 group2</a:t>
+            </a:r>
             <a:endParaRPr lang="zh-CN" altLang="en-US" dirty="0"/>
           </a:p>
         </p:txBody>
@@ -26126,7 +26574,7 @@
     </p:spTree>
     <p:extLst>
       <p:ext uri="{BB962C8B-B14F-4D97-AF65-F5344CB8AC3E}">
-        <p14:creationId xmlns:p14="http://schemas.microsoft.com/office/powerpoint/2010/main" val="694018682"/>
+        <p14:creationId xmlns:p14="http://schemas.microsoft.com/office/powerpoint/2010/main" val="2030033634"/>
       </p:ext>
     </p:extLst>
   </p:cSld>
@@ -26170,11 +26618,11 @@
           <a:p>
             <a:r>
               <a:rPr lang="zh-CN" altLang="en-US"/>
-              <a:t>删除组账号（ </a:t>
+              <a:t>修改组账号（ </a:t>
             </a:r>
             <a:r>
               <a:rPr lang="en-US" altLang="zh-CN"/>
-              <a:t>groupdel </a:t>
+              <a:t>groupmod </a:t>
             </a:r>
             <a:r>
               <a:rPr lang="zh-CN" altLang="en-US"/>
@@ -26208,7 +26656,15 @@
             <a:pPr lvl="1"/>
             <a:r>
               <a:rPr lang="en-US" altLang="zh-CN"/>
-              <a:t># groupdel &lt;</a:t>
+              <a:t># groupmod [&lt;</a:t>
+            </a:r>
+            <a:r>
+              <a:rPr lang="zh-CN" altLang="en-US"/>
+              <a:t>参数</a:t>
+            </a:r>
+            <a:r>
+              <a:rPr lang="en-US" altLang="zh-CN"/>
+              <a:t>&gt;] &lt;</a:t>
             </a:r>
             <a:r>
               <a:rPr lang="zh-CN" altLang="en-US"/>
@@ -26222,58 +26678,72 @@
           <a:p>
             <a:r>
               <a:rPr lang="zh-CN" altLang="en-US"/>
-              <a:t>举例</a:t>
+              <a:t>常用参数</a:t>
             </a:r>
           </a:p>
           <a:p>
             <a:pPr lvl="1"/>
             <a:r>
+              <a:rPr lang="zh-CN" altLang="en-US"/>
+              <a:t>参数</a:t>
+            </a:r>
+            <a:r>
               <a:rPr lang="en-US" altLang="zh-CN"/>
-              <a:t># groupdel  mygroup </a:t>
-            </a:r>
-          </a:p>
-          <a:p>
+              <a:t>-g</a:t>
+            </a:r>
             <a:r>
               <a:rPr lang="zh-CN" altLang="en-US"/>
-              <a:t>注意</a:t>
+              <a:t>改变组账号的</a:t>
+            </a:r>
+            <a:r>
+              <a:rPr lang="en-US" altLang="zh-CN"/>
+              <a:t>GID </a:t>
+            </a:r>
+            <a:r>
+              <a:rPr lang="zh-CN" altLang="en-US"/>
+              <a:t>，组账号名保持不变。 </a:t>
             </a:r>
           </a:p>
           <a:p>
             <a:pPr lvl="1"/>
             <a:r>
               <a:rPr lang="zh-CN" altLang="en-US"/>
-              <a:t>被删除的组账号必须存在 </a:t>
+              <a:t>参数</a:t>
+            </a:r>
+            <a:r>
+              <a:rPr lang="en-US" altLang="zh-CN"/>
+              <a:t>-n</a:t>
+            </a:r>
+            <a:r>
+              <a:rPr lang="zh-CN" altLang="en-US"/>
+              <a:t>改变组账号名 。</a:t>
+            </a:r>
+          </a:p>
+          <a:p>
+            <a:r>
+              <a:rPr lang="zh-CN" altLang="en-US"/>
+              <a:t>举例</a:t>
             </a:r>
           </a:p>
           <a:p>
             <a:pPr lvl="1"/>
             <a:r>
-              <a:rPr lang="zh-CN" altLang="en-US"/>
-              <a:t>当有用户使用组账号作为私有组时不能删除</a:t>
+              <a:rPr lang="en-US" altLang="zh-CN"/>
+              <a:t># groupmod -g 503 mygroup </a:t>
             </a:r>
           </a:p>
           <a:p>
             <a:pPr lvl="1"/>
             <a:r>
-              <a:rPr lang="zh-CN" altLang="en-US"/>
-              <a:t>与用户名同名的私有组账号在使用</a:t>
+              <a:rPr lang="en-GB" altLang="zh-CN"/>
+              <a:t># groupmod –n </a:t>
             </a:r>
             <a:r>
               <a:rPr lang="en-US" altLang="zh-CN"/>
-              <a:t>userdel</a:t>
-            </a:r>
-            <a:r>
-              <a:rPr lang="zh-CN" altLang="en-US"/>
-              <a:t>命令删除用户时被同时删除，无需使用</a:t>
-            </a:r>
-            <a:r>
-              <a:rPr lang="en-US" altLang="zh-CN"/>
-              <a:t>groupdel</a:t>
-            </a:r>
-            <a:r>
-              <a:rPr lang="zh-CN" altLang="en-US"/>
-              <a:t>命令 </a:t>
-            </a:r>
+              <a:t>newgroup mygroup </a:t>
+            </a:r>
+          </a:p>
+          <a:p>
             <a:endParaRPr lang="zh-CN" altLang="en-US" dirty="0"/>
           </a:p>
         </p:txBody>
@@ -26281,7 +26751,7 @@
     </p:spTree>
     <p:extLst>
       <p:ext uri="{BB962C8B-B14F-4D97-AF65-F5344CB8AC3E}">
-        <p14:creationId xmlns:p14="http://schemas.microsoft.com/office/powerpoint/2010/main" val="3557762770"/>
+        <p14:creationId xmlns:p14="http://schemas.microsoft.com/office/powerpoint/2010/main" val="694018682"/>
       </p:ext>
     </p:extLst>
   </p:cSld>
@@ -26415,7 +26885,15 @@
           <a:p>
             <a:r>
               <a:rPr lang="zh-CN" altLang="en-US"/>
-              <a:t>组成员管理</a:t>
+              <a:t>删除组账号（ </a:t>
+            </a:r>
+            <a:r>
+              <a:rPr lang="en-US" altLang="zh-CN"/>
+              <a:t>groupdel </a:t>
+            </a:r>
+            <a:r>
+              <a:rPr lang="zh-CN" altLang="en-US"/>
+              <a:t>）</a:t>
             </a:r>
             <a:endParaRPr lang="zh-CN" altLang="en-US" dirty="0"/>
           </a:p>
@@ -26438,22 +26916,14 @@
           <a:p>
             <a:r>
               <a:rPr lang="zh-CN" altLang="en-US"/>
-              <a:t>向标准组中添加用户 </a:t>
+              <a:t>格式</a:t>
             </a:r>
           </a:p>
           <a:p>
             <a:pPr lvl="1"/>
             <a:r>
               <a:rPr lang="en-US" altLang="zh-CN"/>
-              <a:t>gpasswd -a &lt;</a:t>
-            </a:r>
-            <a:r>
-              <a:rPr lang="zh-CN" altLang="en-US"/>
-              <a:t>用户账号名</a:t>
-            </a:r>
-            <a:r>
-              <a:rPr lang="en-US" altLang="zh-CN"/>
-              <a:t>&gt; &lt;</a:t>
+              <a:t># groupdel &lt;</a:t>
             </a:r>
             <a:r>
               <a:rPr lang="zh-CN" altLang="en-US"/>
@@ -26461,80 +26931,63 @@
             </a:r>
             <a:r>
               <a:rPr lang="en-US" altLang="zh-CN"/>
-              <a:t>&gt; </a:t>
+              <a:t>&gt;</a:t>
+            </a:r>
+          </a:p>
+          <a:p>
+            <a:r>
+              <a:rPr lang="zh-CN" altLang="en-US"/>
+              <a:t>举例</a:t>
             </a:r>
           </a:p>
           <a:p>
             <a:pPr lvl="1"/>
             <a:r>
               <a:rPr lang="en-US" altLang="zh-CN"/>
-              <a:t># gpasswd -a user1 staff </a:t>
+              <a:t># groupdel  mygroup </a:t>
+            </a:r>
+          </a:p>
+          <a:p>
+            <a:r>
+              <a:rPr lang="zh-CN" altLang="en-US"/>
+              <a:t>注意</a:t>
             </a:r>
           </a:p>
           <a:p>
             <a:pPr lvl="1"/>
             <a:r>
-              <a:rPr lang="en-US" altLang="zh-CN"/>
-              <a:t>usermod -G &lt;</a:t>
-            </a:r>
-            <a:r>
               <a:rPr lang="zh-CN" altLang="en-US"/>
-              <a:t>组账号名</a:t>
-            </a:r>
-            <a:r>
-              <a:rPr lang="en-US" altLang="zh-CN"/>
-              <a:t>&gt; &lt;</a:t>
-            </a:r>
-            <a:r>
-              <a:rPr lang="zh-CN" altLang="en-US"/>
-              <a:t>用户账号名</a:t>
-            </a:r>
-            <a:r>
-              <a:rPr lang="en-US" altLang="zh-CN"/>
-              <a:t>&gt; </a:t>
+              <a:t>被删除的组账号必须存在 </a:t>
             </a:r>
           </a:p>
           <a:p>
             <a:pPr lvl="1"/>
             <a:r>
-              <a:rPr lang="en-US" altLang="zh-CN"/>
-              <a:t># usermod -G  staff  user1</a:t>
-            </a:r>
-          </a:p>
-          <a:p>
-            <a:r>
               <a:rPr lang="zh-CN" altLang="en-US"/>
-              <a:t>从标准组中删除用户 </a:t>
+              <a:t>当有用户使用组账号作为私有组时不能删除</a:t>
             </a:r>
           </a:p>
           <a:p>
             <a:pPr lvl="1"/>
             <a:r>
+              <a:rPr lang="zh-CN" altLang="en-US"/>
+              <a:t>与用户名同名的私有组账号在使用</a:t>
+            </a:r>
+            <a:r>
               <a:rPr lang="en-US" altLang="zh-CN"/>
-              <a:t>gpasswd -d &lt;</a:t>
+              <a:t>userdel</a:t>
             </a:r>
             <a:r>
               <a:rPr lang="zh-CN" altLang="en-US"/>
-              <a:t>用户账号名</a:t>
+              <a:t>命令删除用户时被同时删除，无需使用</a:t>
             </a:r>
             <a:r>
               <a:rPr lang="en-US" altLang="zh-CN"/>
-              <a:t>&gt; &lt;</a:t>
+              <a:t>groupdel</a:t>
             </a:r>
             <a:r>
               <a:rPr lang="zh-CN" altLang="en-US"/>
-              <a:t>组账号名</a:t>
-            </a:r>
-            <a:r>
-              <a:rPr lang="en-US" altLang="zh-CN"/>
-              <a:t>&gt; </a:t>
-            </a:r>
-          </a:p>
-          <a:p>
-            <a:pPr lvl="1"/>
-            <a:r>
-              <a:rPr lang="en-US" altLang="zh-CN"/>
-              <a:t># gpasswd -d user1 staff</a:t>
+              <a:t>命令 </a:t>
             </a:r>
             <a:endParaRPr lang="zh-CN" altLang="en-US" dirty="0"/>
           </a:p>
@@ -26543,7 +26996,7 @@
     </p:spTree>
     <p:extLst>
       <p:ext uri="{BB962C8B-B14F-4D97-AF65-F5344CB8AC3E}">
-        <p14:creationId xmlns:p14="http://schemas.microsoft.com/office/powerpoint/2010/main" val="3960306946"/>
+        <p14:creationId xmlns:p14="http://schemas.microsoft.com/office/powerpoint/2010/main" val="3557762770"/>
       </p:ext>
     </p:extLst>
   </p:cSld>
@@ -26587,7 +27040,7 @@
           <a:p>
             <a:r>
               <a:rPr lang="zh-CN" altLang="en-US"/>
-              <a:t>用户切换命令</a:t>
+              <a:t>组成员管理</a:t>
             </a:r>
             <a:endParaRPr lang="zh-CN" altLang="en-US" dirty="0"/>
           </a:p>
@@ -26609,67 +27062,105 @@
           <a:lstStyle/>
           <a:p>
             <a:r>
-              <a:rPr lang="en-US" altLang="zh-CN"/>
-              <a:t>su</a:t>
+              <a:rPr lang="zh-CN" altLang="en-US"/>
+              <a:t>向标准组中添加用户 </a:t>
             </a:r>
           </a:p>
           <a:p>
             <a:pPr lvl="1"/>
             <a:r>
+              <a:rPr lang="en-US" altLang="zh-CN"/>
+              <a:t>gpasswd -a &lt;</a:t>
+            </a:r>
+            <a:r>
               <a:rPr lang="zh-CN" altLang="en-US"/>
-              <a:t>直接切换为超级用户</a:t>
+              <a:t>用户账号名</a:t>
+            </a:r>
+            <a:r>
+              <a:rPr lang="en-US" altLang="zh-CN"/>
+              <a:t>&gt; &lt;</a:t>
+            </a:r>
+            <a:r>
+              <a:rPr lang="zh-CN" altLang="en-US"/>
+              <a:t>组账号名</a:t>
+            </a:r>
+            <a:r>
+              <a:rPr lang="en-US" altLang="zh-CN"/>
+              <a:t>&gt; </a:t>
             </a:r>
           </a:p>
           <a:p>
             <a:pPr lvl="1"/>
             <a:r>
-              <a:rPr lang="zh-CN" altLang="en-US"/>
-              <a:t>普通用户要切换为超级用户必须知道超级用户的口令</a:t>
+              <a:rPr lang="en-US" altLang="zh-CN"/>
+              <a:t># gpasswd -a user1 staff </a:t>
             </a:r>
           </a:p>
           <a:p>
             <a:pPr lvl="1"/>
             <a:r>
+              <a:rPr lang="en-US" altLang="zh-CN"/>
+              <a:t>usermod -G &lt;</a:t>
+            </a:r>
+            <a:r>
               <a:rPr lang="zh-CN" altLang="en-US"/>
-              <a:t>适用于系统中只有单个系统管理员的情况</a:t>
-            </a:r>
-          </a:p>
-          <a:p>
+              <a:t>组账号名</a:t>
+            </a:r>
             <a:r>
               <a:rPr lang="en-US" altLang="zh-CN"/>
-              <a:t>sudo</a:t>
+              <a:t>&gt; &lt;</a:t>
+            </a:r>
+            <a:r>
+              <a:rPr lang="zh-CN" altLang="en-US"/>
+              <a:t>用户账号名</a:t>
+            </a:r>
+            <a:r>
+              <a:rPr lang="en-US" altLang="zh-CN"/>
+              <a:t>&gt; </a:t>
             </a:r>
           </a:p>
           <a:p>
             <a:pPr lvl="1"/>
             <a:r>
+              <a:rPr lang="en-US" altLang="zh-CN"/>
+              <a:t># usermod -G  staff  user1</a:t>
+            </a:r>
+          </a:p>
+          <a:p>
+            <a:r>
               <a:rPr lang="zh-CN" altLang="en-US"/>
-              <a:t>直接使用 </a:t>
-            </a:r>
-            <a:r>
-              <a:rPr lang="en-US" altLang="zh-CN"/>
-              <a:t>sudo </a:t>
-            </a:r>
-            <a:r>
-              <a:rPr lang="zh-CN" altLang="en-US"/>
-              <a:t>命令前缀执行系统管理命令</a:t>
+              <a:t>从标准组中删除用户 </a:t>
             </a:r>
           </a:p>
           <a:p>
             <a:pPr lvl="1"/>
             <a:r>
+              <a:rPr lang="en-US" altLang="zh-CN"/>
+              <a:t>gpasswd -d &lt;</a:t>
+            </a:r>
+            <a:r>
               <a:rPr lang="zh-CN" altLang="en-US"/>
-              <a:t>执行系统管理命令时无需知道超级用户的口令，使用普通用户自己的口令即可</a:t>
+              <a:t>用户账号名</a:t>
+            </a:r>
+            <a:r>
+              <a:rPr lang="en-US" altLang="zh-CN"/>
+              <a:t>&gt; &lt;</a:t>
+            </a:r>
+            <a:r>
+              <a:rPr lang="zh-CN" altLang="en-US"/>
+              <a:t>组账号名</a:t>
+            </a:r>
+            <a:r>
+              <a:rPr lang="en-US" altLang="zh-CN"/>
+              <a:t>&gt; </a:t>
             </a:r>
           </a:p>
           <a:p>
             <a:pPr lvl="1"/>
             <a:r>
-              <a:rPr lang="zh-CN" altLang="en-US"/>
-              <a:t>由于执行系统管理命令时无需知晓超级用户口令，所以适用于系统中有多个系统管理员的情况，因为这样不会泄露超级用户口令。当然系统只有单个系统管理员时也可以使用。</a:t>
-            </a:r>
-          </a:p>
-          <a:p>
+              <a:rPr lang="en-US" altLang="zh-CN"/>
+              <a:t># gpasswd -d user1 staff</a:t>
+            </a:r>
             <a:endParaRPr lang="zh-CN" altLang="en-US" dirty="0"/>
           </a:p>
         </p:txBody>
@@ -26677,7 +27168,7 @@
     </p:spTree>
     <p:extLst>
       <p:ext uri="{BB962C8B-B14F-4D97-AF65-F5344CB8AC3E}">
-        <p14:creationId xmlns:p14="http://schemas.microsoft.com/office/powerpoint/2010/main" val="2858905166"/>
+        <p14:creationId xmlns:p14="http://schemas.microsoft.com/office/powerpoint/2010/main" val="3960306946"/>
       </p:ext>
     </p:extLst>
   </p:cSld>
@@ -26721,588 +27212,97 @@
           <a:p>
             <a:r>
               <a:rPr lang="zh-CN" altLang="en-US"/>
-              <a:t>账户相关命令</a:t>
+              <a:t>用户切换命令</a:t>
             </a:r>
             <a:endParaRPr lang="zh-CN" altLang="en-US" dirty="0"/>
           </a:p>
         </p:txBody>
       </p:sp>
-      <p:graphicFrame>
-        <p:nvGraphicFramePr>
-          <p:cNvPr id="7" name="Group 27"/>
-          <p:cNvGraphicFramePr>
-            <a:graphicFrameLocks/>
-          </p:cNvGraphicFramePr>
+      <p:sp>
+        <p:nvSpPr>
+          <p:cNvPr id="3" name="内容占位符 2"/>
+          <p:cNvSpPr>
+            <a:spLocks noGrp="1"/>
+          </p:cNvSpPr>
           <p:nvPr>
-            <p:extLst>
-              <p:ext uri="{D42A27DB-BD31-4B8C-83A1-F6EECF244321}">
-                <p14:modId xmlns:p14="http://schemas.microsoft.com/office/powerpoint/2010/main" val="3340340158"/>
-              </p:ext>
-            </p:extLst>
+            <p:ph idx="1"/>
           </p:nvPr>
-        </p:nvGraphicFramePr>
-        <p:xfrm>
-          <a:off x="2087553" y="1412776"/>
-          <a:ext cx="8136904" cy="4320480"/>
-        </p:xfrm>
-        <a:graphic>
-          <a:graphicData uri="http://schemas.openxmlformats.org/drawingml/2006/table">
-            <a:tbl>
-              <a:tblPr>
-                <a:tableStyleId>{284E427A-3D55-4303-BF80-6455036E1DE7}</a:tableStyleId>
-              </a:tblPr>
-              <a:tblGrid>
-                <a:gridCol w="1584176">
-                  <a:extLst>
-                    <a:ext uri="{9D8B030D-6E8A-4147-A177-3AD203B41FA5}">
-                      <a16:colId xmlns:a16="http://schemas.microsoft.com/office/drawing/2014/main" val="20000"/>
-                    </a:ext>
-                  </a:extLst>
-                </a:gridCol>
-                <a:gridCol w="6552728">
-                  <a:extLst>
-                    <a:ext uri="{9D8B030D-6E8A-4147-A177-3AD203B41FA5}">
-                      <a16:colId xmlns:a16="http://schemas.microsoft.com/office/drawing/2014/main" val="20001"/>
-                    </a:ext>
-                  </a:extLst>
-                </a:gridCol>
-              </a:tblGrid>
-              <a:tr h="864096">
-                <a:tc>
-                  <a:txBody>
-                    <a:bodyPr/>
-                    <a:lstStyle/>
-                    <a:p>
-                      <a:pPr marL="342900" marR="0" lvl="0" indent="-342900" algn="just" defTabSz="914400" rtl="0" eaLnBrk="1" fontAlgn="ctr" latinLnBrk="0" hangingPunct="1">
-                        <a:lnSpc>
-                          <a:spcPct val="100000"/>
-                        </a:lnSpc>
-                        <a:spcBef>
-                          <a:spcPct val="0"/>
-                        </a:spcBef>
-                        <a:spcAft>
-                          <a:spcPct val="0"/>
-                        </a:spcAft>
-                        <a:buClr>
-                          <a:schemeClr val="bg2"/>
-                        </a:buClr>
-                        <a:buSzPct val="75000"/>
-                        <a:buFont typeface="Wingdings" pitchFamily="2" charset="2"/>
-                        <a:buNone/>
-                        <a:tabLst/>
-                      </a:pPr>
-                      <a:r>
-                        <a:rPr kumimoji="0" lang="en-US" altLang="zh-CN" sz="2400" b="0" i="0" u="none" strike="noStrike" cap="none" normalizeH="0" baseline="0" dirty="0">
-                          <a:ln>
-                            <a:noFill/>
-                          </a:ln>
-                          <a:solidFill>
-                            <a:schemeClr val="tx1"/>
-                          </a:solidFill>
-                          <a:effectLst/>
-                          <a:latin typeface="Arial" charset="0"/>
-                          <a:ea typeface="宋体" charset="-122"/>
-                        </a:rPr>
-                        <a:t>id</a:t>
-                      </a:r>
-                    </a:p>
-                  </a:txBody>
-                  <a:tcPr anchor="ctr" horzOverflow="overflow"/>
-                </a:tc>
-                <a:tc>
-                  <a:txBody>
-                    <a:bodyPr/>
-                    <a:lstStyle/>
-                    <a:p>
-                      <a:pPr marL="342900" marR="0" lvl="0" indent="-342900" algn="just" defTabSz="914400" rtl="0" eaLnBrk="1" fontAlgn="ctr" latinLnBrk="0" hangingPunct="1">
-                        <a:lnSpc>
-                          <a:spcPct val="100000"/>
-                        </a:lnSpc>
-                        <a:spcBef>
-                          <a:spcPct val="0"/>
-                        </a:spcBef>
-                        <a:spcAft>
-                          <a:spcPct val="0"/>
-                        </a:spcAft>
-                        <a:buClr>
-                          <a:schemeClr val="bg2"/>
-                        </a:buClr>
-                        <a:buSzPct val="75000"/>
-                        <a:buFont typeface="Wingdings" pitchFamily="2" charset="2"/>
-                        <a:buNone/>
-                        <a:tabLst/>
-                      </a:pPr>
-                      <a:r>
-                        <a:rPr kumimoji="0" lang="zh-CN" altLang="en-US" sz="2400" b="0" i="0" u="none" strike="noStrike" cap="none" normalizeH="0" baseline="0" dirty="0">
-                          <a:ln>
-                            <a:noFill/>
-                          </a:ln>
-                          <a:solidFill>
-                            <a:schemeClr val="tx1"/>
-                          </a:solidFill>
-                          <a:effectLst/>
-                          <a:latin typeface="Arial" charset="0"/>
-                          <a:ea typeface="宋体" charset="-122"/>
-                        </a:rPr>
-                        <a:t>显示用户当前的</a:t>
-                      </a:r>
-                      <a:r>
-                        <a:rPr kumimoji="0" lang="en-US" altLang="zh-CN" sz="2400" b="0" i="0" u="none" strike="noStrike" cap="none" normalizeH="0" baseline="0" dirty="0" err="1">
-                          <a:ln>
-                            <a:noFill/>
-                          </a:ln>
-                          <a:solidFill>
-                            <a:schemeClr val="tx1"/>
-                          </a:solidFill>
-                          <a:effectLst/>
-                          <a:latin typeface="Arial" charset="0"/>
-                          <a:ea typeface="宋体" charset="-122"/>
-                        </a:rPr>
-                        <a:t>uid</a:t>
-                      </a:r>
-                      <a:r>
-                        <a:rPr kumimoji="0" lang="zh-CN" altLang="en-US" sz="2400" b="0" i="0" u="none" strike="noStrike" cap="none" normalizeH="0" baseline="0" dirty="0">
-                          <a:ln>
-                            <a:noFill/>
-                          </a:ln>
-                          <a:solidFill>
-                            <a:schemeClr val="tx1"/>
-                          </a:solidFill>
-                          <a:effectLst/>
-                          <a:latin typeface="Arial" charset="0"/>
-                          <a:ea typeface="宋体" charset="-122"/>
-                        </a:rPr>
-                        <a:t>、</a:t>
-                      </a:r>
-                      <a:r>
-                        <a:rPr kumimoji="0" lang="en-US" altLang="zh-CN" sz="2400" b="0" i="0" u="none" strike="noStrike" cap="none" normalizeH="0" baseline="0" dirty="0" err="1">
-                          <a:ln>
-                            <a:noFill/>
-                          </a:ln>
-                          <a:solidFill>
-                            <a:schemeClr val="tx1"/>
-                          </a:solidFill>
-                          <a:effectLst/>
-                          <a:latin typeface="Arial" charset="0"/>
-                          <a:ea typeface="宋体" charset="-122"/>
-                        </a:rPr>
-                        <a:t>gid</a:t>
-                      </a:r>
-                      <a:r>
-                        <a:rPr kumimoji="0" lang="zh-CN" altLang="en-US" sz="2400" b="0" i="0" u="none" strike="noStrike" cap="none" normalizeH="0" baseline="0" dirty="0">
-                          <a:ln>
-                            <a:noFill/>
-                          </a:ln>
-                          <a:solidFill>
-                            <a:schemeClr val="tx1"/>
-                          </a:solidFill>
-                          <a:effectLst/>
-                          <a:latin typeface="Arial" charset="0"/>
-                          <a:ea typeface="宋体" charset="-122"/>
-                        </a:rPr>
-                        <a:t>和用户所属的组列表</a:t>
-                      </a:r>
-                    </a:p>
-                  </a:txBody>
-                  <a:tcPr anchor="ctr" horzOverflow="overflow"/>
-                </a:tc>
-                <a:extLst>
-                  <a:ext uri="{0D108BD9-81ED-4DB2-BD59-A6C34878D82A}">
-                    <a16:rowId xmlns:a16="http://schemas.microsoft.com/office/drawing/2014/main" val="10000"/>
-                  </a:ext>
-                </a:extLst>
-              </a:tr>
-              <a:tr h="846652">
-                <a:tc>
-                  <a:txBody>
-                    <a:bodyPr/>
-                    <a:lstStyle/>
-                    <a:p>
-                      <a:pPr marL="342900" marR="0" lvl="0" indent="-342900" algn="just" defTabSz="914400" rtl="0" eaLnBrk="1" fontAlgn="ctr" latinLnBrk="0" hangingPunct="1">
-                        <a:lnSpc>
-                          <a:spcPct val="100000"/>
-                        </a:lnSpc>
-                        <a:spcBef>
-                          <a:spcPct val="0"/>
-                        </a:spcBef>
-                        <a:spcAft>
-                          <a:spcPct val="0"/>
-                        </a:spcAft>
-                        <a:buClr>
-                          <a:schemeClr val="bg2"/>
-                        </a:buClr>
-                        <a:buSzPct val="75000"/>
-                        <a:buFont typeface="Wingdings" pitchFamily="2" charset="2"/>
-                        <a:buNone/>
-                        <a:tabLst/>
-                      </a:pPr>
-                      <a:r>
-                        <a:rPr kumimoji="0" lang="en-US" altLang="zh-CN" sz="2400" b="0" i="0" u="none" strike="noStrike" cap="none" normalizeH="0" baseline="0" dirty="0">
-                          <a:ln>
-                            <a:noFill/>
-                          </a:ln>
-                          <a:solidFill>
-                            <a:schemeClr val="tx1"/>
-                          </a:solidFill>
-                          <a:effectLst/>
-                          <a:latin typeface="Arial" charset="0"/>
-                          <a:ea typeface="宋体" charset="-122"/>
-                        </a:rPr>
-                        <a:t>groups</a:t>
-                      </a:r>
-                    </a:p>
-                  </a:txBody>
-                  <a:tcPr anchor="ctr" horzOverflow="overflow"/>
-                </a:tc>
-                <a:tc>
-                  <a:txBody>
-                    <a:bodyPr/>
-                    <a:lstStyle/>
-                    <a:p>
-                      <a:pPr marL="342900" marR="0" lvl="0" indent="-342900" algn="just" defTabSz="914400" rtl="0" eaLnBrk="1" fontAlgn="ctr" latinLnBrk="0" hangingPunct="1">
-                        <a:lnSpc>
-                          <a:spcPct val="100000"/>
-                        </a:lnSpc>
-                        <a:spcBef>
-                          <a:spcPct val="0"/>
-                        </a:spcBef>
-                        <a:spcAft>
-                          <a:spcPct val="0"/>
-                        </a:spcAft>
-                        <a:buClr>
-                          <a:schemeClr val="bg2"/>
-                        </a:buClr>
-                        <a:buSzPct val="75000"/>
-                        <a:buFont typeface="Wingdings" pitchFamily="2" charset="2"/>
-                        <a:buNone/>
-                        <a:tabLst/>
-                      </a:pPr>
-                      <a:r>
-                        <a:rPr kumimoji="0" lang="zh-CN" altLang="en-US" sz="2400" b="0" i="0" u="none" strike="noStrike" cap="none" normalizeH="0" baseline="0" dirty="0">
-                          <a:ln>
-                            <a:noFill/>
-                          </a:ln>
-                          <a:solidFill>
-                            <a:schemeClr val="tx1"/>
-                          </a:solidFill>
-                          <a:effectLst/>
-                          <a:latin typeface="Arial" charset="0"/>
-                          <a:ea typeface="宋体" charset="-122"/>
-                        </a:rPr>
-                        <a:t>显示指定用户所属的组列表</a:t>
-                      </a:r>
-                    </a:p>
-                  </a:txBody>
-                  <a:tcPr anchor="ctr" horzOverflow="overflow"/>
-                </a:tc>
-                <a:extLst>
-                  <a:ext uri="{0D108BD9-81ED-4DB2-BD59-A6C34878D82A}">
-                    <a16:rowId xmlns:a16="http://schemas.microsoft.com/office/drawing/2014/main" val="10001"/>
-                  </a:ext>
-                </a:extLst>
-              </a:tr>
-              <a:tr h="737524">
-                <a:tc>
-                  <a:txBody>
-                    <a:bodyPr/>
-                    <a:lstStyle/>
-                    <a:p>
-                      <a:pPr marL="342900" marR="0" lvl="0" indent="-342900" algn="just" defTabSz="914400" rtl="0" eaLnBrk="1" fontAlgn="ctr" latinLnBrk="0" hangingPunct="1">
-                        <a:lnSpc>
-                          <a:spcPct val="100000"/>
-                        </a:lnSpc>
-                        <a:spcBef>
-                          <a:spcPct val="0"/>
-                        </a:spcBef>
-                        <a:spcAft>
-                          <a:spcPct val="0"/>
-                        </a:spcAft>
-                        <a:buClr>
-                          <a:schemeClr val="bg2"/>
-                        </a:buClr>
-                        <a:buSzPct val="75000"/>
-                        <a:buFont typeface="Wingdings" pitchFamily="2" charset="2"/>
-                        <a:buNone/>
-                        <a:tabLst/>
-                        <a:defRPr/>
-                      </a:pPr>
-                      <a:r>
-                        <a:rPr kumimoji="0" lang="en-US" altLang="zh-CN" sz="2400" b="0" i="0" u="none" strike="noStrike" cap="none" normalizeH="0" baseline="0" dirty="0" err="1">
-                          <a:ln>
-                            <a:noFill/>
-                          </a:ln>
-                          <a:solidFill>
-                            <a:schemeClr val="tx1"/>
-                          </a:solidFill>
-                          <a:effectLst/>
-                          <a:latin typeface="Arial" charset="0"/>
-                          <a:ea typeface="宋体" charset="-122"/>
-                        </a:rPr>
-                        <a:t>whoami</a:t>
-                      </a:r>
-                      <a:r>
-                        <a:rPr kumimoji="0" lang="en-US" altLang="zh-CN" sz="2400" b="0" i="0" u="none" strike="noStrike" cap="none" normalizeH="0" baseline="0" dirty="0">
-                          <a:ln>
-                            <a:noFill/>
-                          </a:ln>
-                          <a:solidFill>
-                            <a:schemeClr val="tx1"/>
-                          </a:solidFill>
-                          <a:effectLst/>
-                          <a:latin typeface="Arial" charset="0"/>
-                          <a:ea typeface="宋体" charset="-122"/>
-                        </a:rPr>
-                        <a:t> </a:t>
-                      </a:r>
-                    </a:p>
-                  </a:txBody>
-                  <a:tcPr anchor="ctr" horzOverflow="overflow"/>
-                </a:tc>
-                <a:tc>
-                  <a:txBody>
-                    <a:bodyPr/>
-                    <a:lstStyle/>
-                    <a:p>
-                      <a:pPr marL="342900" marR="0" lvl="0" indent="-342900" algn="just" defTabSz="914400" rtl="0" eaLnBrk="1" fontAlgn="ctr" latinLnBrk="0" hangingPunct="1">
-                        <a:lnSpc>
-                          <a:spcPct val="100000"/>
-                        </a:lnSpc>
-                        <a:spcBef>
-                          <a:spcPct val="0"/>
-                        </a:spcBef>
-                        <a:spcAft>
-                          <a:spcPct val="0"/>
-                        </a:spcAft>
-                        <a:buClr>
-                          <a:schemeClr val="bg2"/>
-                        </a:buClr>
-                        <a:buSzPct val="75000"/>
-                        <a:buFont typeface="Wingdings" pitchFamily="2" charset="2"/>
-                        <a:buNone/>
-                        <a:tabLst/>
-                        <a:defRPr/>
-                      </a:pPr>
-                      <a:r>
-                        <a:rPr kumimoji="0" lang="zh-CN" altLang="en-US" sz="2400" b="0" i="0" u="none" strike="noStrike" cap="none" normalizeH="0" baseline="0" dirty="0">
-                          <a:ln>
-                            <a:noFill/>
-                          </a:ln>
-                          <a:solidFill>
-                            <a:schemeClr val="tx1"/>
-                          </a:solidFill>
-                          <a:effectLst/>
-                          <a:latin typeface="Arial" charset="0"/>
-                          <a:ea typeface="宋体" charset="-122"/>
-                        </a:rPr>
-                        <a:t>显示当前用户的名称</a:t>
-                      </a:r>
-                    </a:p>
-                  </a:txBody>
-                  <a:tcPr anchor="ctr" horzOverflow="overflow"/>
-                </a:tc>
-                <a:extLst>
-                  <a:ext uri="{0D108BD9-81ED-4DB2-BD59-A6C34878D82A}">
-                    <a16:rowId xmlns:a16="http://schemas.microsoft.com/office/drawing/2014/main" val="10002"/>
-                  </a:ext>
-                </a:extLst>
-              </a:tr>
-              <a:tr h="843017">
-                <a:tc>
-                  <a:txBody>
-                    <a:bodyPr/>
-                    <a:lstStyle/>
-                    <a:p>
-                      <a:pPr marL="342900" marR="0" lvl="0" indent="-342900" algn="just" defTabSz="914400" rtl="0" eaLnBrk="1" fontAlgn="ctr" latinLnBrk="0" hangingPunct="1">
-                        <a:lnSpc>
-                          <a:spcPct val="100000"/>
-                        </a:lnSpc>
-                        <a:spcBef>
-                          <a:spcPct val="0"/>
-                        </a:spcBef>
-                        <a:spcAft>
-                          <a:spcPct val="0"/>
-                        </a:spcAft>
-                        <a:buClr>
-                          <a:schemeClr val="bg2"/>
-                        </a:buClr>
-                        <a:buSzPct val="75000"/>
-                        <a:buFont typeface="Wingdings" pitchFamily="2" charset="2"/>
-                        <a:buNone/>
-                        <a:tabLst/>
-                      </a:pPr>
-                      <a:r>
-                        <a:rPr kumimoji="0" lang="en-US" altLang="zh-CN" sz="2400" b="0" i="0" u="none" strike="noStrike" cap="none" normalizeH="0" baseline="0" dirty="0">
-                          <a:ln>
-                            <a:noFill/>
-                          </a:ln>
-                          <a:solidFill>
-                            <a:schemeClr val="tx1"/>
-                          </a:solidFill>
-                          <a:effectLst/>
-                          <a:latin typeface="Arial" charset="0"/>
-                          <a:ea typeface="宋体" charset="-122"/>
-                        </a:rPr>
-                        <a:t>w/who</a:t>
-                      </a:r>
-                    </a:p>
-                  </a:txBody>
-                  <a:tcPr anchor="ctr" horzOverflow="overflow"/>
-                </a:tc>
-                <a:tc>
-                  <a:txBody>
-                    <a:bodyPr/>
-                    <a:lstStyle/>
-                    <a:p>
-                      <a:pPr marL="342900" marR="0" lvl="0" indent="-342900" algn="just" defTabSz="914400" rtl="0" eaLnBrk="1" fontAlgn="ctr" latinLnBrk="0" hangingPunct="1">
-                        <a:lnSpc>
-                          <a:spcPct val="100000"/>
-                        </a:lnSpc>
-                        <a:spcBef>
-                          <a:spcPct val="0"/>
-                        </a:spcBef>
-                        <a:spcAft>
-                          <a:spcPct val="0"/>
-                        </a:spcAft>
-                        <a:buClr>
-                          <a:schemeClr val="bg2"/>
-                        </a:buClr>
-                        <a:buSzPct val="75000"/>
-                        <a:buFont typeface="Wingdings" pitchFamily="2" charset="2"/>
-                        <a:buNone/>
-                        <a:tabLst/>
-                      </a:pPr>
-                      <a:r>
-                        <a:rPr kumimoji="0" lang="zh-CN" altLang="en-US" sz="2400" b="0" i="0" u="none" strike="noStrike" cap="none" normalizeH="0" baseline="0" dirty="0">
-                          <a:ln>
-                            <a:noFill/>
-                          </a:ln>
-                          <a:solidFill>
-                            <a:schemeClr val="tx1"/>
-                          </a:solidFill>
-                          <a:effectLst/>
-                          <a:latin typeface="Arial" charset="0"/>
-                          <a:ea typeface="宋体" charset="-122"/>
-                        </a:rPr>
-                        <a:t>显示登录用户及相关信息</a:t>
-                      </a:r>
-                    </a:p>
-                  </a:txBody>
-                  <a:tcPr anchor="ctr" horzOverflow="overflow"/>
-                </a:tc>
-                <a:extLst>
-                  <a:ext uri="{0D108BD9-81ED-4DB2-BD59-A6C34878D82A}">
-                    <a16:rowId xmlns:a16="http://schemas.microsoft.com/office/drawing/2014/main" val="10003"/>
-                  </a:ext>
-                </a:extLst>
-              </a:tr>
-              <a:tr h="1029191">
-                <a:tc>
-                  <a:txBody>
-                    <a:bodyPr/>
-                    <a:lstStyle/>
-                    <a:p>
-                      <a:pPr marL="342900" marR="0" lvl="0" indent="-342900" algn="just" defTabSz="914400" rtl="0" eaLnBrk="1" fontAlgn="ctr" latinLnBrk="0" hangingPunct="1">
-                        <a:lnSpc>
-                          <a:spcPct val="100000"/>
-                        </a:lnSpc>
-                        <a:spcBef>
-                          <a:spcPct val="0"/>
-                        </a:spcBef>
-                        <a:spcAft>
-                          <a:spcPct val="0"/>
-                        </a:spcAft>
-                        <a:buClr>
-                          <a:schemeClr val="bg2"/>
-                        </a:buClr>
-                        <a:buSzPct val="75000"/>
-                        <a:buFont typeface="Wingdings" pitchFamily="2" charset="2"/>
-                        <a:buNone/>
-                        <a:tabLst/>
-                      </a:pPr>
-                      <a:r>
-                        <a:rPr kumimoji="0" lang="en-US" altLang="zh-CN" sz="2400" b="0" i="0" u="none" strike="noStrike" cap="none" normalizeH="0" baseline="0" dirty="0" err="1">
-                          <a:ln>
-                            <a:noFill/>
-                          </a:ln>
-                          <a:solidFill>
-                            <a:schemeClr val="tx1"/>
-                          </a:solidFill>
-                          <a:effectLst/>
-                          <a:latin typeface="Arial" charset="0"/>
-                          <a:ea typeface="宋体" charset="-122"/>
-                        </a:rPr>
-                        <a:t>newgrp</a:t>
-                      </a:r>
-                      <a:endParaRPr kumimoji="0" lang="en-US" altLang="zh-CN" sz="2400" b="0" i="0" u="none" strike="noStrike" cap="none" normalizeH="0" baseline="0" dirty="0">
-                        <a:ln>
-                          <a:noFill/>
-                        </a:ln>
-                        <a:solidFill>
-                          <a:schemeClr val="tx1"/>
-                        </a:solidFill>
-                        <a:effectLst/>
-                        <a:latin typeface="Arial" charset="0"/>
-                        <a:ea typeface="宋体" charset="-122"/>
-                      </a:endParaRPr>
-                    </a:p>
-                  </a:txBody>
-                  <a:tcPr anchor="ctr" horzOverflow="overflow"/>
-                </a:tc>
-                <a:tc>
-                  <a:txBody>
-                    <a:bodyPr/>
-                    <a:lstStyle/>
-                    <a:p>
-                      <a:pPr marL="0" marR="0" lvl="0" indent="0" algn="l" defTabSz="914400" rtl="0" eaLnBrk="1" fontAlgn="ctr" latinLnBrk="0" hangingPunct="1">
-                        <a:lnSpc>
-                          <a:spcPct val="100000"/>
-                        </a:lnSpc>
-                        <a:spcBef>
-                          <a:spcPct val="0"/>
-                        </a:spcBef>
-                        <a:spcAft>
-                          <a:spcPct val="0"/>
-                        </a:spcAft>
-                        <a:buClr>
-                          <a:schemeClr val="bg2"/>
-                        </a:buClr>
-                        <a:buSzPct val="75000"/>
-                        <a:buFont typeface="Wingdings" pitchFamily="2" charset="2"/>
-                        <a:buNone/>
-                        <a:tabLst/>
-                      </a:pPr>
-                      <a:r>
-                        <a:rPr kumimoji="0" lang="zh-CN" altLang="en-US" sz="2400" b="0" i="0" u="none" strike="noStrike" cap="none" normalizeH="0" baseline="0" dirty="0">
-                          <a:ln>
-                            <a:noFill/>
-                          </a:ln>
-                          <a:solidFill>
-                            <a:schemeClr val="tx1"/>
-                          </a:solidFill>
-                          <a:effectLst/>
-                          <a:latin typeface="Arial" charset="0"/>
-                          <a:ea typeface="宋体" charset="-122"/>
-                        </a:rPr>
-                        <a:t>用于转换用户的当前组到指定的组账号，用户必须属于该组才可以正确执行该命令</a:t>
-                      </a:r>
-                    </a:p>
-                  </a:txBody>
-                  <a:tcPr anchor="ctr" horzOverflow="overflow"/>
-                </a:tc>
-                <a:extLst>
-                  <a:ext uri="{0D108BD9-81ED-4DB2-BD59-A6C34878D82A}">
-                    <a16:rowId xmlns:a16="http://schemas.microsoft.com/office/drawing/2014/main" val="10004"/>
-                  </a:ext>
-                </a:extLst>
-              </a:tr>
-            </a:tbl>
-          </a:graphicData>
-        </a:graphic>
-      </p:graphicFrame>
+        </p:nvSpPr>
+        <p:spPr/>
+        <p:txBody>
+          <a:bodyPr/>
+          <a:lstStyle/>
+          <a:p>
+            <a:r>
+              <a:rPr lang="en-US" altLang="zh-CN"/>
+              <a:t>su</a:t>
+            </a:r>
+          </a:p>
+          <a:p>
+            <a:pPr lvl="1"/>
+            <a:r>
+              <a:rPr lang="zh-CN" altLang="en-US"/>
+              <a:t>直接切换为超级用户</a:t>
+            </a:r>
+          </a:p>
+          <a:p>
+            <a:pPr lvl="1"/>
+            <a:r>
+              <a:rPr lang="zh-CN" altLang="en-US"/>
+              <a:t>普通用户要切换为超级用户必须知道超级用户的口令</a:t>
+            </a:r>
+          </a:p>
+          <a:p>
+            <a:pPr lvl="1"/>
+            <a:r>
+              <a:rPr lang="zh-CN" altLang="en-US"/>
+              <a:t>适用于系统中只有单个系统管理员的情况</a:t>
+            </a:r>
+          </a:p>
+          <a:p>
+            <a:r>
+              <a:rPr lang="en-US" altLang="zh-CN"/>
+              <a:t>sudo</a:t>
+            </a:r>
+          </a:p>
+          <a:p>
+            <a:pPr lvl="1"/>
+            <a:r>
+              <a:rPr lang="zh-CN" altLang="en-US"/>
+              <a:t>直接使用 </a:t>
+            </a:r>
+            <a:r>
+              <a:rPr lang="en-US" altLang="zh-CN"/>
+              <a:t>sudo </a:t>
+            </a:r>
+            <a:r>
+              <a:rPr lang="zh-CN" altLang="en-US"/>
+              <a:t>命令前缀执行系统管理命令</a:t>
+            </a:r>
+          </a:p>
+          <a:p>
+            <a:pPr lvl="1"/>
+            <a:r>
+              <a:rPr lang="zh-CN" altLang="en-US"/>
+              <a:t>执行系统管理命令时无需知道超级用户的口令，使用普通用户自己的口令即可</a:t>
+            </a:r>
+          </a:p>
+          <a:p>
+            <a:pPr lvl="1"/>
+            <a:r>
+              <a:rPr lang="zh-CN" altLang="en-US"/>
+              <a:t>由于执行系统管理命令时无需知晓超级用户口令，所以适用于系统中有多个系统管理员的情况，因为这样不会泄露超级用户口令。当然系统只有单个系统管理员时也可以使用。</a:t>
+            </a:r>
+          </a:p>
+          <a:p>
+            <a:endParaRPr lang="zh-CN" altLang="en-US" dirty="0"/>
+          </a:p>
+        </p:txBody>
+      </p:sp>
     </p:spTree>
     <p:extLst>
       <p:ext uri="{BB962C8B-B14F-4D97-AF65-F5344CB8AC3E}">
-        <p14:creationId xmlns:p14="http://schemas.microsoft.com/office/powerpoint/2010/main" val="2915444977"/>
+        <p14:creationId xmlns:p14="http://schemas.microsoft.com/office/powerpoint/2010/main" val="2858905166"/>
       </p:ext>
     </p:extLst>
   </p:cSld>
